--- a/Français/3. La modélisation/5.Comprendre le crossfilter directions.pptx
+++ b/Français/3. La modélisation/5.Comprendre le crossfilter directions.pptx
@@ -5,12 +5,16 @@
     <p:sldMasterId id="2147483648" r:id="rId1"/>
   </p:sldMasterIdLst>
   <p:notesMasterIdLst>
-    <p:notesMasterId r:id="rId5"/>
+    <p:notesMasterId r:id="rId9"/>
   </p:notesMasterIdLst>
   <p:sldIdLst>
     <p:sldId id="256" r:id="rId2"/>
     <p:sldId id="259" r:id="rId3"/>
-    <p:sldId id="258" r:id="rId4"/>
+    <p:sldId id="260" r:id="rId4"/>
+    <p:sldId id="261" r:id="rId5"/>
+    <p:sldId id="262" r:id="rId6"/>
+    <p:sldId id="263" r:id="rId7"/>
+    <p:sldId id="258" r:id="rId8"/>
   </p:sldIdLst>
   <p:sldSz cx="12192000" cy="6858000"/>
   <p:notesSz cx="6858000" cy="9144000"/>
@@ -199,7 +203,7 @@
           <a:p>
             <a:fld id="{056BA3B8-9F76-4D81-B71D-76CB85363062}" type="datetimeFigureOut">
               <a:rPr lang="en-US" smtClean="0"/>
-              <a:t>2/26/2025</a:t>
+              <a:t>3/5/2025</a:t>
             </a:fld>
             <a:endParaRPr lang="en-US"/>
           </a:p>
@@ -598,7 +602,7 @@
           <a:p>
             <a:fld id="{6F01DA4D-20EA-48D2-973C-0311EC3005D6}" type="datetimeFigureOut">
               <a:rPr lang="en-US" smtClean="0"/>
-              <a:t>2/26/2025</a:t>
+              <a:t>3/5/2025</a:t>
             </a:fld>
             <a:endParaRPr lang="en-US"/>
           </a:p>
@@ -768,7 +772,7 @@
           <a:p>
             <a:fld id="{6F01DA4D-20EA-48D2-973C-0311EC3005D6}" type="datetimeFigureOut">
               <a:rPr lang="en-US" smtClean="0"/>
-              <a:t>2/26/2025</a:t>
+              <a:t>3/5/2025</a:t>
             </a:fld>
             <a:endParaRPr lang="en-US"/>
           </a:p>
@@ -948,7 +952,7 @@
           <a:p>
             <a:fld id="{6F01DA4D-20EA-48D2-973C-0311EC3005D6}" type="datetimeFigureOut">
               <a:rPr lang="en-US" smtClean="0"/>
-              <a:t>2/26/2025</a:t>
+              <a:t>3/5/2025</a:t>
             </a:fld>
             <a:endParaRPr lang="en-US"/>
           </a:p>
@@ -1118,7 +1122,7 @@
           <a:p>
             <a:fld id="{6F01DA4D-20EA-48D2-973C-0311EC3005D6}" type="datetimeFigureOut">
               <a:rPr lang="en-US" smtClean="0"/>
-              <a:t>2/26/2025</a:t>
+              <a:t>3/5/2025</a:t>
             </a:fld>
             <a:endParaRPr lang="en-US"/>
           </a:p>
@@ -1364,7 +1368,7 @@
           <a:p>
             <a:fld id="{6F01DA4D-20EA-48D2-973C-0311EC3005D6}" type="datetimeFigureOut">
               <a:rPr lang="en-US" smtClean="0"/>
-              <a:t>2/26/2025</a:t>
+              <a:t>3/5/2025</a:t>
             </a:fld>
             <a:endParaRPr lang="en-US"/>
           </a:p>
@@ -1596,7 +1600,7 @@
           <a:p>
             <a:fld id="{6F01DA4D-20EA-48D2-973C-0311EC3005D6}" type="datetimeFigureOut">
               <a:rPr lang="en-US" smtClean="0"/>
-              <a:t>2/26/2025</a:t>
+              <a:t>3/5/2025</a:t>
             </a:fld>
             <a:endParaRPr lang="en-US"/>
           </a:p>
@@ -1963,7 +1967,7 @@
           <a:p>
             <a:fld id="{6F01DA4D-20EA-48D2-973C-0311EC3005D6}" type="datetimeFigureOut">
               <a:rPr lang="en-US" smtClean="0"/>
-              <a:t>2/26/2025</a:t>
+              <a:t>3/5/2025</a:t>
             </a:fld>
             <a:endParaRPr lang="en-US"/>
           </a:p>
@@ -2081,7 +2085,7 @@
           <a:p>
             <a:fld id="{6F01DA4D-20EA-48D2-973C-0311EC3005D6}" type="datetimeFigureOut">
               <a:rPr lang="en-US" smtClean="0"/>
-              <a:t>2/26/2025</a:t>
+              <a:t>3/5/2025</a:t>
             </a:fld>
             <a:endParaRPr lang="en-US"/>
           </a:p>
@@ -2176,7 +2180,7 @@
           <a:p>
             <a:fld id="{6F01DA4D-20EA-48D2-973C-0311EC3005D6}" type="datetimeFigureOut">
               <a:rPr lang="en-US" smtClean="0"/>
-              <a:t>2/26/2025</a:t>
+              <a:t>3/5/2025</a:t>
             </a:fld>
             <a:endParaRPr lang="en-US"/>
           </a:p>
@@ -2453,7 +2457,7 @@
           <a:p>
             <a:fld id="{6F01DA4D-20EA-48D2-973C-0311EC3005D6}" type="datetimeFigureOut">
               <a:rPr lang="en-US" smtClean="0"/>
-              <a:t>2/26/2025</a:t>
+              <a:t>3/5/2025</a:t>
             </a:fld>
             <a:endParaRPr lang="en-US"/>
           </a:p>
@@ -2706,7 +2710,7 @@
           <a:p>
             <a:fld id="{6F01DA4D-20EA-48D2-973C-0311EC3005D6}" type="datetimeFigureOut">
               <a:rPr lang="en-US" smtClean="0"/>
-              <a:t>2/26/2025</a:t>
+              <a:t>3/5/2025</a:t>
             </a:fld>
             <a:endParaRPr lang="en-US"/>
           </a:p>
@@ -2919,7 +2923,7 @@
           <a:p>
             <a:fld id="{6F01DA4D-20EA-48D2-973C-0311EC3005D6}" type="datetimeFigureOut">
               <a:rPr lang="en-US" smtClean="0"/>
-              <a:t>2/26/2025</a:t>
+              <a:t>3/5/2025</a:t>
             </a:fld>
             <a:endParaRPr lang="en-US"/>
           </a:p>
@@ -3364,18 +3368,7 @@
                 <a:ea typeface="Verdana" panose="020B0604030504040204" pitchFamily="34" charset="0"/>
                 <a:cs typeface="Segoe UI" panose="020B0502040204020203" pitchFamily="34" charset="0"/>
               </a:rPr>
-              <a:t>Comprendr</a:t>
-            </a:r>
-            <a:r>
-              <a:rPr lang="fr-FR" sz="7200" b="1" dirty="0" smtClean="0">
-                <a:solidFill>
-                  <a:srgbClr val="7030A0"/>
-                </a:solidFill>
-                <a:latin typeface="Segoe UI" panose="020B0502040204020203" pitchFamily="34" charset="0"/>
-                <a:ea typeface="Verdana" panose="020B0604030504040204" pitchFamily="34" charset="0"/>
-                <a:cs typeface="Segoe UI" panose="020B0502040204020203" pitchFamily="34" charset="0"/>
-              </a:rPr>
-              <a:t>e</a:t>
+              <a:t>Comprendre</a:t>
             </a:r>
           </a:p>
           <a:p>
@@ -3448,18 +3441,7 @@
                 <a:ea typeface="Verdana" panose="020B0604030504040204" pitchFamily="34" charset="0"/>
                 <a:cs typeface="Segoe UI" panose="020B0502040204020203" pitchFamily="34" charset="0"/>
               </a:rPr>
-              <a:t>Comprendr</a:t>
-            </a:r>
-            <a:r>
-              <a:rPr lang="fr-FR" sz="7200" b="1" dirty="0" smtClean="0">
-                <a:solidFill>
-                  <a:schemeClr val="bg1"/>
-                </a:solidFill>
-                <a:latin typeface="Segoe UI" panose="020B0502040204020203" pitchFamily="34" charset="0"/>
-                <a:ea typeface="Verdana" panose="020B0604030504040204" pitchFamily="34" charset="0"/>
-                <a:cs typeface="Segoe UI" panose="020B0502040204020203" pitchFamily="34" charset="0"/>
-              </a:rPr>
-              <a:t>e</a:t>
+              <a:t>Comprendre</a:t>
             </a:r>
           </a:p>
           <a:p>
@@ -3539,7 +3521,7 @@
         <p:spPr>
           <a:xfrm>
             <a:off x="288758" y="275007"/>
-            <a:ext cx="4608634" cy="400110"/>
+            <a:ext cx="6560066" cy="400110"/>
           </a:xfrm>
           <a:prstGeom prst="rect">
             <a:avLst/>
@@ -3557,14 +3539,14 @@
                 <a:latin typeface="Segoe UI" panose="020B0502040204020203" pitchFamily="34" charset="0"/>
                 <a:cs typeface="Segoe UI" panose="020B0502040204020203" pitchFamily="34" charset="0"/>
               </a:rPr>
-              <a:t>Comprendr</a:t>
+              <a:t>Comprendre les crossfilter </a:t>
             </a:r>
             <a:r>
               <a:rPr lang="fr-FR" sz="2000" b="1" dirty="0" smtClean="0">
                 <a:latin typeface="Segoe UI" panose="020B0502040204020203" pitchFamily="34" charset="0"/>
                 <a:cs typeface="Segoe UI" panose="020B0502040204020203" pitchFamily="34" charset="0"/>
               </a:rPr>
-              <a:t>e les crossfilter directions</a:t>
+              <a:t>directions (Filtrage croisé)</a:t>
             </a:r>
             <a:endParaRPr lang="fr-FR" sz="2000" b="1" dirty="0">
               <a:latin typeface="Segoe UI" panose="020B0502040204020203" pitchFamily="34" charset="0"/>
@@ -3573,6 +3555,1165 @@
           </a:p>
         </p:txBody>
       </p:sp>
+      <p:sp>
+        <p:nvSpPr>
+          <p:cNvPr id="3" name="Rectangle 2"/>
+          <p:cNvSpPr/>
+          <p:nvPr/>
+        </p:nvSpPr>
+        <p:spPr>
+          <a:xfrm>
+            <a:off x="288758" y="861062"/>
+            <a:ext cx="9842977" cy="421654"/>
+          </a:xfrm>
+          <a:prstGeom prst="rect">
+            <a:avLst/>
+          </a:prstGeom>
+        </p:spPr>
+        <p:txBody>
+          <a:bodyPr wrap="square">
+            <a:spAutoFit/>
+          </a:bodyPr>
+          <a:lstStyle/>
+          <a:p>
+            <a:pPr>
+              <a:lnSpc>
+                <a:spcPct val="107000"/>
+              </a:lnSpc>
+              <a:spcBef>
+                <a:spcPts val="1200"/>
+              </a:spcBef>
+              <a:spcAft>
+                <a:spcPts val="0"/>
+              </a:spcAft>
+            </a:pPr>
+            <a:r>
+              <a:rPr lang="fr-FR" sz="2000" b="1" dirty="0"/>
+              <a:t>Note : </a:t>
+            </a:r>
+            <a:r>
+              <a:rPr lang="fr-FR" sz="2000" dirty="0" smtClean="0"/>
+              <a:t>Cet atelier utilise </a:t>
+            </a:r>
+            <a:r>
+              <a:rPr lang="fr-FR" sz="2000" dirty="0"/>
+              <a:t>le fichier </a:t>
+            </a:r>
+            <a:r>
+              <a:rPr lang="fr-FR" sz="2000" b="1" dirty="0" smtClean="0"/>
+              <a:t>lab5.xlsx </a:t>
+            </a:r>
+            <a:r>
+              <a:rPr lang="fr-FR" sz="2000" dirty="0"/>
+              <a:t>dans le modèle </a:t>
+            </a:r>
+            <a:r>
+              <a:rPr lang="fr-FR" sz="2000" b="1" dirty="0"/>
+              <a:t>Sales</a:t>
+            </a:r>
+            <a:endParaRPr lang="en-US" sz="3200" b="1" kern="0" dirty="0">
+              <a:effectLst/>
+              <a:latin typeface="Segoe UI" panose="020B0502040204020203" pitchFamily="34" charset="0"/>
+              <a:ea typeface="Times New Roman" panose="02020603050405020304" pitchFamily="18" charset="0"/>
+              <a:cs typeface="Times New Roman" panose="02020603050405020304" pitchFamily="18" charset="0"/>
+            </a:endParaRPr>
+          </a:p>
+        </p:txBody>
+      </p:sp>
+      <p:sp>
+        <p:nvSpPr>
+          <p:cNvPr id="4" name="Rectangle 1"/>
+          <p:cNvSpPr>
+            <a:spLocks noChangeArrowheads="1"/>
+          </p:cNvSpPr>
+          <p:nvPr/>
+        </p:nvSpPr>
+        <p:spPr bwMode="auto">
+          <a:xfrm>
+            <a:off x="350634" y="1414340"/>
+            <a:ext cx="10230280" cy="1477328"/>
+          </a:xfrm>
+          <a:prstGeom prst="rect">
+            <a:avLst/>
+          </a:prstGeom>
+          <a:noFill/>
+          <a:ln>
+            <a:noFill/>
+          </a:ln>
+          <a:effectLst/>
+          <a:extLst>
+            <a:ext uri="{909E8E84-426E-40DD-AFC4-6F175D3DCCD1}">
+              <a14:hiddenFill xmlns:a14="http://schemas.microsoft.com/office/drawing/2010/main">
+                <a:solidFill>
+                  <a:schemeClr val="accent1"/>
+                </a:solidFill>
+              </a14:hiddenFill>
+            </a:ext>
+            <a:ext uri="{91240B29-F687-4F45-9708-019B960494DF}">
+              <a14:hiddenLine xmlns:a14="http://schemas.microsoft.com/office/drawing/2010/main" w="9525">
+                <a:solidFill>
+                  <a:schemeClr val="tx1"/>
+                </a:solidFill>
+                <a:miter lim="800000"/>
+                <a:headEnd/>
+                <a:tailEnd/>
+              </a14:hiddenLine>
+            </a:ext>
+            <a:ext uri="{AF507438-7753-43E0-B8FC-AC1667EBCBE1}">
+              <a14:hiddenEffects xmlns:a14="http://schemas.microsoft.com/office/drawing/2010/main">
+                <a:effectLst>
+                  <a:outerShdw dist="35921" dir="2700000" algn="ctr" rotWithShape="0">
+                    <a:schemeClr val="bg2"/>
+                  </a:outerShdw>
+                </a:effectLst>
+              </a14:hiddenEffects>
+            </a:ext>
+          </a:extLst>
+        </p:spPr>
+        <p:txBody>
+          <a:bodyPr vert="horz" wrap="square" lIns="91440" tIns="45720" rIns="91440" bIns="45720" numCol="1" anchor="ctr" anchorCtr="0" compatLnSpc="1">
+            <a:prstTxWarp prst="textNoShape">
+              <a:avLst/>
+            </a:prstTxWarp>
+            <a:spAutoFit/>
+          </a:bodyPr>
+          <a:lstStyle/>
+          <a:p>
+            <a:pPr marR="0" lvl="0" algn="l" defTabSz="914400" rtl="0" eaLnBrk="0" fontAlgn="base" latinLnBrk="0" hangingPunct="0">
+              <a:lnSpc>
+                <a:spcPct val="100000"/>
+              </a:lnSpc>
+              <a:spcBef>
+                <a:spcPct val="0"/>
+              </a:spcBef>
+              <a:spcAft>
+                <a:spcPct val="0"/>
+              </a:spcAft>
+              <a:buClrTx/>
+              <a:buSzTx/>
+              <a:buFont typeface="Arial" panose="020B0604020202020204" pitchFamily="34" charset="0"/>
+              <a:buChar char="•"/>
+              <a:tabLst/>
+            </a:pPr>
+            <a:r>
+              <a:rPr kumimoji="0" lang="fr-FR" altLang="en-US" sz="1800" b="0" i="0" u="none" strike="noStrike" cap="none" normalizeH="0" baseline="0" dirty="0" smtClean="0">
+                <a:ln>
+                  <a:noFill/>
+                </a:ln>
+                <a:solidFill>
+                  <a:schemeClr val="tx1"/>
+                </a:solidFill>
+                <a:effectLst/>
+                <a:latin typeface="Segoe UI" panose="020B0502040204020203" pitchFamily="34" charset="0"/>
+                <a:cs typeface="Segoe UI" panose="020B0502040204020203" pitchFamily="34" charset="0"/>
+              </a:rPr>
+              <a:t>Allez dans </a:t>
+            </a:r>
+            <a:r>
+              <a:rPr kumimoji="0" lang="fr-FR" altLang="en-US" sz="1800" b="1" i="0" u="none" strike="noStrike" cap="none" normalizeH="0" baseline="0" dirty="0" smtClean="0">
+                <a:ln>
+                  <a:noFill/>
+                </a:ln>
+                <a:solidFill>
+                  <a:schemeClr val="tx1"/>
+                </a:solidFill>
+                <a:effectLst/>
+                <a:latin typeface="Segoe UI" panose="020B0502040204020203" pitchFamily="34" charset="0"/>
+                <a:cs typeface="Segoe UI" panose="020B0502040204020203" pitchFamily="34" charset="0"/>
+              </a:rPr>
+              <a:t>"Modèle" (Model </a:t>
+            </a:r>
+            <a:r>
+              <a:rPr kumimoji="0" lang="fr-FR" altLang="en-US" sz="1800" b="1" i="0" u="none" strike="noStrike" cap="none" normalizeH="0" baseline="0" dirty="0" err="1" smtClean="0">
+                <a:ln>
+                  <a:noFill/>
+                </a:ln>
+                <a:solidFill>
+                  <a:schemeClr val="tx1"/>
+                </a:solidFill>
+                <a:effectLst/>
+                <a:latin typeface="Segoe UI" panose="020B0502040204020203" pitchFamily="34" charset="0"/>
+                <a:cs typeface="Segoe UI" panose="020B0502040204020203" pitchFamily="34" charset="0"/>
+              </a:rPr>
+              <a:t>View</a:t>
+            </a:r>
+            <a:r>
+              <a:rPr kumimoji="0" lang="fr-FR" altLang="en-US" sz="1800" b="1" i="0" u="none" strike="noStrike" cap="none" normalizeH="0" baseline="0" dirty="0" smtClean="0">
+                <a:ln>
+                  <a:noFill/>
+                </a:ln>
+                <a:solidFill>
+                  <a:schemeClr val="tx1"/>
+                </a:solidFill>
+                <a:effectLst/>
+                <a:latin typeface="Segoe UI" panose="020B0502040204020203" pitchFamily="34" charset="0"/>
+                <a:cs typeface="Segoe UI" panose="020B0502040204020203" pitchFamily="34" charset="0"/>
+              </a:rPr>
+              <a:t>)</a:t>
+            </a:r>
+            <a:r>
+              <a:rPr kumimoji="0" lang="fr-FR" altLang="en-US" sz="1800" b="0" i="0" u="none" strike="noStrike" cap="none" normalizeH="0" baseline="0" dirty="0" smtClean="0">
+                <a:ln>
+                  <a:noFill/>
+                </a:ln>
+                <a:solidFill>
+                  <a:schemeClr val="tx1"/>
+                </a:solidFill>
+                <a:effectLst/>
+                <a:latin typeface="Segoe UI" panose="020B0502040204020203" pitchFamily="34" charset="0"/>
+                <a:cs typeface="Segoe UI" panose="020B0502040204020203" pitchFamily="34" charset="0"/>
+              </a:rPr>
+              <a:t> de Power BI.</a:t>
+            </a:r>
+          </a:p>
+          <a:p>
+            <a:pPr marL="0" marR="0" lvl="0" indent="0" algn="l" defTabSz="914400" rtl="0" eaLnBrk="0" fontAlgn="base" latinLnBrk="0" hangingPunct="0">
+              <a:lnSpc>
+                <a:spcPct val="100000"/>
+              </a:lnSpc>
+              <a:spcBef>
+                <a:spcPct val="0"/>
+              </a:spcBef>
+              <a:spcAft>
+                <a:spcPct val="0"/>
+              </a:spcAft>
+              <a:buClrTx/>
+              <a:buSzTx/>
+              <a:buFontTx/>
+              <a:buChar char="•"/>
+              <a:tabLst/>
+            </a:pPr>
+            <a:r>
+              <a:rPr kumimoji="0" lang="fr-FR" altLang="en-US" sz="1800" b="0" i="0" u="none" strike="noStrike" cap="none" normalizeH="0" baseline="0" dirty="0" smtClean="0">
+                <a:ln>
+                  <a:noFill/>
+                </a:ln>
+                <a:solidFill>
+                  <a:schemeClr val="tx1"/>
+                </a:solidFill>
+                <a:effectLst/>
+                <a:latin typeface="Segoe UI" panose="020B0502040204020203" pitchFamily="34" charset="0"/>
+                <a:cs typeface="Segoe UI" panose="020B0502040204020203" pitchFamily="34" charset="0"/>
+              </a:rPr>
+              <a:t>Reliez les tables comme suit :</a:t>
+            </a:r>
+          </a:p>
+          <a:p>
+            <a:pPr lvl="1" eaLnBrk="0" fontAlgn="base" hangingPunct="0">
+              <a:spcBef>
+                <a:spcPct val="0"/>
+              </a:spcBef>
+              <a:spcAft>
+                <a:spcPct val="0"/>
+              </a:spcAft>
+              <a:buFontTx/>
+              <a:buChar char="•"/>
+            </a:pPr>
+            <a:r>
+              <a:rPr kumimoji="0" lang="fr-FR" altLang="en-US" b="1" i="0" u="none" strike="noStrike" cap="none" normalizeH="0" baseline="0" dirty="0" err="1" smtClean="0">
+                <a:ln>
+                  <a:noFill/>
+                </a:ln>
+                <a:solidFill>
+                  <a:schemeClr val="tx1"/>
+                </a:solidFill>
+                <a:effectLst/>
+                <a:latin typeface="Segoe UI" panose="020B0502040204020203" pitchFamily="34" charset="0"/>
+                <a:cs typeface="Segoe UI" panose="020B0502040204020203" pitchFamily="34" charset="0"/>
+              </a:rPr>
+              <a:t>DimProduct</a:t>
+            </a:r>
+            <a:r>
+              <a:rPr kumimoji="0" lang="fr-FR" altLang="en-US" b="1" i="0" u="none" strike="noStrike" cap="none" normalizeH="0" baseline="0" dirty="0" smtClean="0">
+                <a:ln>
+                  <a:noFill/>
+                </a:ln>
+                <a:solidFill>
+                  <a:schemeClr val="tx1"/>
+                </a:solidFill>
+                <a:effectLst/>
+                <a:latin typeface="Segoe UI" panose="020B0502040204020203" pitchFamily="34" charset="0"/>
+                <a:cs typeface="Segoe UI" panose="020B0502040204020203" pitchFamily="34" charset="0"/>
+              </a:rPr>
+              <a:t>[</a:t>
+            </a:r>
+            <a:r>
+              <a:rPr kumimoji="0" lang="fr-FR" altLang="en-US" b="1" i="0" u="none" strike="noStrike" cap="none" normalizeH="0" baseline="0" dirty="0" err="1" smtClean="0">
+                <a:ln>
+                  <a:noFill/>
+                </a:ln>
+                <a:solidFill>
+                  <a:schemeClr val="tx1"/>
+                </a:solidFill>
+                <a:effectLst/>
+                <a:latin typeface="Segoe UI" panose="020B0502040204020203" pitchFamily="34" charset="0"/>
+                <a:cs typeface="Segoe UI" panose="020B0502040204020203" pitchFamily="34" charset="0"/>
+              </a:rPr>
+              <a:t>ProductID</a:t>
+            </a:r>
+            <a:r>
+              <a:rPr kumimoji="0" lang="fr-FR" altLang="en-US" b="1" i="0" u="none" strike="noStrike" cap="none" normalizeH="0" baseline="0" dirty="0" smtClean="0">
+                <a:ln>
+                  <a:noFill/>
+                </a:ln>
+                <a:solidFill>
+                  <a:schemeClr val="tx1"/>
+                </a:solidFill>
+                <a:effectLst/>
+                <a:latin typeface="Segoe UI" panose="020B0502040204020203" pitchFamily="34" charset="0"/>
+                <a:cs typeface="Segoe UI" panose="020B0502040204020203" pitchFamily="34" charset="0"/>
+              </a:rPr>
+              <a:t>]</a:t>
+            </a:r>
+            <a:r>
+              <a:rPr kumimoji="0" lang="fr-FR" altLang="en-US" b="0" i="0" u="none" strike="noStrike" cap="none" normalizeH="0" baseline="0" dirty="0" smtClean="0">
+                <a:ln>
+                  <a:noFill/>
+                </a:ln>
+                <a:solidFill>
+                  <a:schemeClr val="tx1"/>
+                </a:solidFill>
+                <a:effectLst/>
+                <a:latin typeface="Segoe UI" panose="020B0502040204020203" pitchFamily="34" charset="0"/>
+                <a:cs typeface="Segoe UI" panose="020B0502040204020203" pitchFamily="34" charset="0"/>
+              </a:rPr>
+              <a:t> → </a:t>
+            </a:r>
+            <a:r>
+              <a:rPr kumimoji="0" lang="fr-FR" altLang="en-US" b="1" i="0" u="none" strike="noStrike" cap="none" normalizeH="0" baseline="0" dirty="0" smtClean="0">
+                <a:ln>
+                  <a:noFill/>
+                </a:ln>
+                <a:solidFill>
+                  <a:schemeClr val="tx1"/>
+                </a:solidFill>
+                <a:effectLst/>
+                <a:latin typeface="Segoe UI" panose="020B0502040204020203" pitchFamily="34" charset="0"/>
+                <a:cs typeface="Segoe UI" panose="020B0502040204020203" pitchFamily="34" charset="0"/>
+              </a:rPr>
+              <a:t>FactSales[</a:t>
+            </a:r>
+            <a:r>
+              <a:rPr kumimoji="0" lang="fr-FR" altLang="en-US" b="1" i="0" u="none" strike="noStrike" cap="none" normalizeH="0" baseline="0" dirty="0" err="1" smtClean="0">
+                <a:ln>
+                  <a:noFill/>
+                </a:ln>
+                <a:solidFill>
+                  <a:schemeClr val="tx1"/>
+                </a:solidFill>
+                <a:effectLst/>
+                <a:latin typeface="Segoe UI" panose="020B0502040204020203" pitchFamily="34" charset="0"/>
+                <a:cs typeface="Segoe UI" panose="020B0502040204020203" pitchFamily="34" charset="0"/>
+              </a:rPr>
+              <a:t>ProductID</a:t>
+            </a:r>
+            <a:r>
+              <a:rPr kumimoji="0" lang="fr-FR" altLang="en-US" b="1" i="0" u="none" strike="noStrike" cap="none" normalizeH="0" baseline="0" dirty="0" smtClean="0">
+                <a:ln>
+                  <a:noFill/>
+                </a:ln>
+                <a:solidFill>
+                  <a:schemeClr val="tx1"/>
+                </a:solidFill>
+                <a:effectLst/>
+                <a:latin typeface="Segoe UI" panose="020B0502040204020203" pitchFamily="34" charset="0"/>
+                <a:cs typeface="Segoe UI" panose="020B0502040204020203" pitchFamily="34" charset="0"/>
+              </a:rPr>
+              <a:t>]</a:t>
+            </a:r>
+            <a:endParaRPr kumimoji="0" lang="fr-FR" altLang="en-US" b="0" i="0" u="none" strike="noStrike" cap="none" normalizeH="0" baseline="0" dirty="0" smtClean="0">
+              <a:ln>
+                <a:noFill/>
+              </a:ln>
+              <a:solidFill>
+                <a:schemeClr val="tx1"/>
+              </a:solidFill>
+              <a:effectLst/>
+              <a:latin typeface="Segoe UI" panose="020B0502040204020203" pitchFamily="34" charset="0"/>
+              <a:cs typeface="Segoe UI" panose="020B0502040204020203" pitchFamily="34" charset="0"/>
+            </a:endParaRPr>
+          </a:p>
+          <a:p>
+            <a:pPr lvl="1" eaLnBrk="0" fontAlgn="base" hangingPunct="0">
+              <a:spcBef>
+                <a:spcPct val="0"/>
+              </a:spcBef>
+              <a:spcAft>
+                <a:spcPct val="0"/>
+              </a:spcAft>
+              <a:buFontTx/>
+              <a:buChar char="•"/>
+            </a:pPr>
+            <a:r>
+              <a:rPr kumimoji="0" lang="fr-FR" altLang="en-US" b="1" i="0" u="none" strike="noStrike" cap="none" normalizeH="0" baseline="0" dirty="0" err="1" smtClean="0">
+                <a:ln>
+                  <a:noFill/>
+                </a:ln>
+                <a:solidFill>
+                  <a:schemeClr val="tx1"/>
+                </a:solidFill>
+                <a:effectLst/>
+                <a:latin typeface="Segoe UI" panose="020B0502040204020203" pitchFamily="34" charset="0"/>
+                <a:cs typeface="Segoe UI" panose="020B0502040204020203" pitchFamily="34" charset="0"/>
+              </a:rPr>
+              <a:t>DimSupplier</a:t>
+            </a:r>
+            <a:r>
+              <a:rPr kumimoji="0" lang="fr-FR" altLang="en-US" b="1" i="0" u="none" strike="noStrike" cap="none" normalizeH="0" baseline="0" dirty="0" smtClean="0">
+                <a:ln>
+                  <a:noFill/>
+                </a:ln>
+                <a:solidFill>
+                  <a:schemeClr val="tx1"/>
+                </a:solidFill>
+                <a:effectLst/>
+                <a:latin typeface="Segoe UI" panose="020B0502040204020203" pitchFamily="34" charset="0"/>
+                <a:cs typeface="Segoe UI" panose="020B0502040204020203" pitchFamily="34" charset="0"/>
+              </a:rPr>
+              <a:t>[</a:t>
+            </a:r>
+            <a:r>
+              <a:rPr kumimoji="0" lang="fr-FR" altLang="en-US" b="1" i="0" u="none" strike="noStrike" cap="none" normalizeH="0" baseline="0" dirty="0" err="1" smtClean="0">
+                <a:ln>
+                  <a:noFill/>
+                </a:ln>
+                <a:solidFill>
+                  <a:schemeClr val="tx1"/>
+                </a:solidFill>
+                <a:effectLst/>
+                <a:latin typeface="Segoe UI" panose="020B0502040204020203" pitchFamily="34" charset="0"/>
+                <a:cs typeface="Segoe UI" panose="020B0502040204020203" pitchFamily="34" charset="0"/>
+              </a:rPr>
+              <a:t>SupplierID</a:t>
+            </a:r>
+            <a:r>
+              <a:rPr kumimoji="0" lang="fr-FR" altLang="en-US" b="1" i="0" u="none" strike="noStrike" cap="none" normalizeH="0" baseline="0" dirty="0" smtClean="0">
+                <a:ln>
+                  <a:noFill/>
+                </a:ln>
+                <a:solidFill>
+                  <a:schemeClr val="tx1"/>
+                </a:solidFill>
+                <a:effectLst/>
+                <a:latin typeface="Segoe UI" panose="020B0502040204020203" pitchFamily="34" charset="0"/>
+                <a:cs typeface="Segoe UI" panose="020B0502040204020203" pitchFamily="34" charset="0"/>
+              </a:rPr>
+              <a:t>]</a:t>
+            </a:r>
+            <a:r>
+              <a:rPr kumimoji="0" lang="fr-FR" altLang="en-US" b="0" i="0" u="none" strike="noStrike" cap="none" normalizeH="0" baseline="0" dirty="0" smtClean="0">
+                <a:ln>
+                  <a:noFill/>
+                </a:ln>
+                <a:solidFill>
+                  <a:schemeClr val="tx1"/>
+                </a:solidFill>
+                <a:effectLst/>
+                <a:latin typeface="Segoe UI" panose="020B0502040204020203" pitchFamily="34" charset="0"/>
+                <a:cs typeface="Segoe UI" panose="020B0502040204020203" pitchFamily="34" charset="0"/>
+              </a:rPr>
+              <a:t> → </a:t>
+            </a:r>
+            <a:r>
+              <a:rPr kumimoji="0" lang="fr-FR" altLang="en-US" b="1" i="0" u="none" strike="noStrike" cap="none" normalizeH="0" baseline="0" dirty="0" smtClean="0">
+                <a:ln>
+                  <a:noFill/>
+                </a:ln>
+                <a:solidFill>
+                  <a:schemeClr val="tx1"/>
+                </a:solidFill>
+                <a:effectLst/>
+                <a:latin typeface="Segoe UI" panose="020B0502040204020203" pitchFamily="34" charset="0"/>
+                <a:cs typeface="Segoe UI" panose="020B0502040204020203" pitchFamily="34" charset="0"/>
+              </a:rPr>
+              <a:t>FactSales[</a:t>
+            </a:r>
+            <a:r>
+              <a:rPr kumimoji="0" lang="fr-FR" altLang="en-US" b="1" i="0" u="none" strike="noStrike" cap="none" normalizeH="0" baseline="0" dirty="0" err="1" smtClean="0">
+                <a:ln>
+                  <a:noFill/>
+                </a:ln>
+                <a:solidFill>
+                  <a:schemeClr val="tx1"/>
+                </a:solidFill>
+                <a:effectLst/>
+                <a:latin typeface="Segoe UI" panose="020B0502040204020203" pitchFamily="34" charset="0"/>
+                <a:cs typeface="Segoe UI" panose="020B0502040204020203" pitchFamily="34" charset="0"/>
+              </a:rPr>
+              <a:t>SupplierID</a:t>
+            </a:r>
+            <a:r>
+              <a:rPr kumimoji="0" lang="fr-FR" altLang="en-US" b="1" i="0" u="none" strike="noStrike" cap="none" normalizeH="0" baseline="0" dirty="0" smtClean="0">
+                <a:ln>
+                  <a:noFill/>
+                </a:ln>
+                <a:solidFill>
+                  <a:schemeClr val="tx1"/>
+                </a:solidFill>
+                <a:effectLst/>
+                <a:latin typeface="Segoe UI" panose="020B0502040204020203" pitchFamily="34" charset="0"/>
+                <a:cs typeface="Segoe UI" panose="020B0502040204020203" pitchFamily="34" charset="0"/>
+              </a:rPr>
+              <a:t>]</a:t>
+            </a:r>
+            <a:endParaRPr kumimoji="0" lang="fr-FR" altLang="en-US" b="0" i="0" u="none" strike="noStrike" cap="none" normalizeH="0" baseline="0" dirty="0" smtClean="0">
+              <a:ln>
+                <a:noFill/>
+              </a:ln>
+              <a:solidFill>
+                <a:schemeClr val="tx1"/>
+              </a:solidFill>
+              <a:effectLst/>
+              <a:latin typeface="Segoe UI" panose="020B0502040204020203" pitchFamily="34" charset="0"/>
+              <a:cs typeface="Segoe UI" panose="020B0502040204020203" pitchFamily="34" charset="0"/>
+            </a:endParaRPr>
+          </a:p>
+          <a:p>
+            <a:pPr marL="0" marR="0" lvl="0" indent="0" algn="l" defTabSz="914400" rtl="0" eaLnBrk="0" fontAlgn="base" latinLnBrk="0" hangingPunct="0">
+              <a:lnSpc>
+                <a:spcPct val="100000"/>
+              </a:lnSpc>
+              <a:spcBef>
+                <a:spcPct val="0"/>
+              </a:spcBef>
+              <a:spcAft>
+                <a:spcPct val="0"/>
+              </a:spcAft>
+              <a:buClrTx/>
+              <a:buSzTx/>
+              <a:buFontTx/>
+              <a:buChar char="•"/>
+              <a:tabLst/>
+            </a:pPr>
+            <a:r>
+              <a:rPr kumimoji="0" lang="fr-FR" altLang="en-US" sz="1800" b="0" i="0" u="none" strike="noStrike" cap="none" normalizeH="0" baseline="0" dirty="0" smtClean="0">
+                <a:ln>
+                  <a:noFill/>
+                </a:ln>
+                <a:solidFill>
+                  <a:schemeClr val="tx1"/>
+                </a:solidFill>
+                <a:effectLst/>
+                <a:latin typeface="Segoe UI" panose="020B0502040204020203" pitchFamily="34" charset="0"/>
+                <a:cs typeface="Segoe UI" panose="020B0502040204020203" pitchFamily="34" charset="0"/>
+              </a:rPr>
+              <a:t>Par défaut, Power BI applique une direction de filtre </a:t>
+            </a:r>
+            <a:r>
+              <a:rPr kumimoji="0" lang="fr-FR" altLang="en-US" sz="1800" b="1" i="0" u="none" strike="noStrike" cap="none" normalizeH="0" baseline="0" dirty="0" smtClean="0">
+                <a:ln>
+                  <a:noFill/>
+                </a:ln>
+                <a:solidFill>
+                  <a:schemeClr val="tx1"/>
+                </a:solidFill>
+                <a:effectLst/>
+                <a:latin typeface="Segoe UI" panose="020B0502040204020203" pitchFamily="34" charset="0"/>
+                <a:cs typeface="Segoe UI" panose="020B0502040204020203" pitchFamily="34" charset="0"/>
+              </a:rPr>
+              <a:t>"Single" (simple)"</a:t>
+            </a:r>
+            <a:r>
+              <a:rPr kumimoji="0" lang="fr-FR" altLang="en-US" sz="1800" b="0" i="0" u="none" strike="noStrike" cap="none" normalizeH="0" baseline="0" dirty="0" smtClean="0">
+                <a:ln>
+                  <a:noFill/>
+                </a:ln>
+                <a:solidFill>
+                  <a:schemeClr val="tx1"/>
+                </a:solidFill>
+                <a:effectLst/>
+                <a:latin typeface="Segoe UI" panose="020B0502040204020203" pitchFamily="34" charset="0"/>
+                <a:cs typeface="Segoe UI" panose="020B0502040204020203" pitchFamily="34" charset="0"/>
+              </a:rPr>
+              <a:t>. </a:t>
+            </a:r>
+          </a:p>
+        </p:txBody>
+      </p:sp>
+      <p:sp>
+        <p:nvSpPr>
+          <p:cNvPr id="5" name="Rectangle 2"/>
+          <p:cNvSpPr>
+            <a:spLocks noChangeArrowheads="1"/>
+          </p:cNvSpPr>
+          <p:nvPr/>
+        </p:nvSpPr>
+        <p:spPr bwMode="auto">
+          <a:xfrm>
+            <a:off x="350634" y="3238087"/>
+            <a:ext cx="9557553" cy="2585323"/>
+          </a:xfrm>
+          <a:prstGeom prst="rect">
+            <a:avLst/>
+          </a:prstGeom>
+          <a:noFill/>
+          <a:ln>
+            <a:noFill/>
+          </a:ln>
+          <a:effectLst/>
+          <a:extLst>
+            <a:ext uri="{909E8E84-426E-40DD-AFC4-6F175D3DCCD1}">
+              <a14:hiddenFill xmlns:a14="http://schemas.microsoft.com/office/drawing/2010/main">
+                <a:solidFill>
+                  <a:schemeClr val="accent1"/>
+                </a:solidFill>
+              </a14:hiddenFill>
+            </a:ext>
+            <a:ext uri="{91240B29-F687-4F45-9708-019B960494DF}">
+              <a14:hiddenLine xmlns:a14="http://schemas.microsoft.com/office/drawing/2010/main" w="9525">
+                <a:solidFill>
+                  <a:schemeClr val="tx1"/>
+                </a:solidFill>
+                <a:miter lim="800000"/>
+                <a:headEnd/>
+                <a:tailEnd/>
+              </a14:hiddenLine>
+            </a:ext>
+            <a:ext uri="{AF507438-7753-43E0-B8FC-AC1667EBCBE1}">
+              <a14:hiddenEffects xmlns:a14="http://schemas.microsoft.com/office/drawing/2010/main">
+                <a:effectLst>
+                  <a:outerShdw dist="35921" dir="2700000" algn="ctr" rotWithShape="0">
+                    <a:schemeClr val="bg2"/>
+                  </a:outerShdw>
+                </a:effectLst>
+              </a14:hiddenEffects>
+            </a:ext>
+          </a:extLst>
+        </p:spPr>
+        <p:txBody>
+          <a:bodyPr vert="horz" wrap="none" lIns="91440" tIns="45720" rIns="91440" bIns="45720" numCol="1" anchor="ctr" anchorCtr="0" compatLnSpc="1">
+            <a:prstTxWarp prst="textNoShape">
+              <a:avLst/>
+            </a:prstTxWarp>
+            <a:spAutoFit/>
+          </a:bodyPr>
+          <a:lstStyle/>
+          <a:p>
+            <a:pPr marL="0" marR="0" lvl="0" indent="0" algn="l" defTabSz="914400" rtl="0" eaLnBrk="0" fontAlgn="base" latinLnBrk="0" hangingPunct="0">
+              <a:lnSpc>
+                <a:spcPct val="100000"/>
+              </a:lnSpc>
+              <a:spcBef>
+                <a:spcPct val="0"/>
+              </a:spcBef>
+              <a:spcAft>
+                <a:spcPct val="0"/>
+              </a:spcAft>
+              <a:buClrTx/>
+              <a:buSzTx/>
+              <a:buFontTx/>
+              <a:buChar char="•"/>
+              <a:tabLst/>
+            </a:pPr>
+            <a:r>
+              <a:rPr kumimoji="0" lang="fr-FR" altLang="en-US" b="1" i="0" u="none" strike="noStrike" cap="none" normalizeH="0" baseline="0" dirty="0" smtClean="0">
+                <a:ln>
+                  <a:noFill/>
+                </a:ln>
+                <a:solidFill>
+                  <a:schemeClr val="tx1"/>
+                </a:solidFill>
+                <a:effectLst/>
+                <a:latin typeface="Segoe UI" panose="020B0502040204020203" pitchFamily="34" charset="0"/>
+                <a:cs typeface="Segoe UI" panose="020B0502040204020203" pitchFamily="34" charset="0"/>
+              </a:rPr>
+              <a:t>Filtrage Simple (Single)</a:t>
+            </a:r>
+            <a:r>
+              <a:rPr kumimoji="0" lang="fr-FR" altLang="en-US" b="0" i="0" u="none" strike="noStrike" cap="none" normalizeH="0" baseline="0" dirty="0" smtClean="0">
+                <a:ln>
+                  <a:noFill/>
+                </a:ln>
+                <a:solidFill>
+                  <a:schemeClr val="tx1"/>
+                </a:solidFill>
+                <a:effectLst/>
+                <a:latin typeface="Segoe UI" panose="020B0502040204020203" pitchFamily="34" charset="0"/>
+                <a:cs typeface="Segoe UI" panose="020B0502040204020203" pitchFamily="34" charset="0"/>
+              </a:rPr>
+              <a:t> :</a:t>
+            </a:r>
+          </a:p>
+          <a:p>
+            <a:pPr lvl="1" eaLnBrk="0" fontAlgn="base" hangingPunct="0">
+              <a:spcBef>
+                <a:spcPct val="0"/>
+              </a:spcBef>
+              <a:spcAft>
+                <a:spcPct val="0"/>
+              </a:spcAft>
+              <a:buFontTx/>
+              <a:buChar char="•"/>
+            </a:pPr>
+            <a:r>
+              <a:rPr kumimoji="0" lang="fr-FR" altLang="en-US" b="0" i="0" u="none" strike="noStrike" cap="none" normalizeH="0" baseline="0" dirty="0" smtClean="0">
+                <a:ln>
+                  <a:noFill/>
+                </a:ln>
+                <a:solidFill>
+                  <a:schemeClr val="tx1"/>
+                </a:solidFill>
+                <a:effectLst/>
+                <a:latin typeface="Segoe UI" panose="020B0502040204020203" pitchFamily="34" charset="0"/>
+                <a:cs typeface="Segoe UI" panose="020B0502040204020203" pitchFamily="34" charset="0"/>
+              </a:rPr>
+              <a:t>Filtrer </a:t>
+            </a:r>
+            <a:r>
+              <a:rPr kumimoji="0" lang="fr-FR" altLang="en-US" b="1" i="0" u="none" strike="noStrike" cap="none" normalizeH="0" baseline="0" dirty="0" err="1" smtClean="0">
+                <a:ln>
+                  <a:noFill/>
+                </a:ln>
+                <a:solidFill>
+                  <a:schemeClr val="tx1"/>
+                </a:solidFill>
+                <a:effectLst/>
+                <a:latin typeface="Segoe UI" panose="020B0502040204020203" pitchFamily="34" charset="0"/>
+                <a:cs typeface="Segoe UI" panose="020B0502040204020203" pitchFamily="34" charset="0"/>
+              </a:rPr>
+              <a:t>DimProduct</a:t>
+            </a:r>
+            <a:r>
+              <a:rPr kumimoji="0" lang="fr-FR" altLang="en-US" b="0" i="0" u="none" strike="noStrike" cap="none" normalizeH="0" baseline="0" dirty="0" smtClean="0">
+                <a:ln>
+                  <a:noFill/>
+                </a:ln>
+                <a:solidFill>
+                  <a:schemeClr val="tx1"/>
+                </a:solidFill>
+                <a:effectLst/>
+                <a:latin typeface="Segoe UI" panose="020B0502040204020203" pitchFamily="34" charset="0"/>
+                <a:cs typeface="Segoe UI" panose="020B0502040204020203" pitchFamily="34" charset="0"/>
+              </a:rPr>
+              <a:t> affichera uniquement les ventes liées à ce produit.</a:t>
+            </a:r>
+          </a:p>
+          <a:p>
+            <a:pPr lvl="1" eaLnBrk="0" fontAlgn="base" hangingPunct="0">
+              <a:spcBef>
+                <a:spcPct val="0"/>
+              </a:spcBef>
+              <a:spcAft>
+                <a:spcPct val="0"/>
+              </a:spcAft>
+              <a:buFontTx/>
+              <a:buChar char="•"/>
+            </a:pPr>
+            <a:r>
+              <a:rPr kumimoji="0" lang="fr-FR" altLang="en-US" b="0" i="0" u="none" strike="noStrike" cap="none" normalizeH="0" baseline="0" dirty="0" smtClean="0">
+                <a:ln>
+                  <a:noFill/>
+                </a:ln>
+                <a:solidFill>
+                  <a:schemeClr val="tx1"/>
+                </a:solidFill>
+                <a:effectLst/>
+                <a:latin typeface="Segoe UI" panose="020B0502040204020203" pitchFamily="34" charset="0"/>
+                <a:cs typeface="Segoe UI" panose="020B0502040204020203" pitchFamily="34" charset="0"/>
+              </a:rPr>
+              <a:t>Filtrer </a:t>
+            </a:r>
+            <a:r>
+              <a:rPr kumimoji="0" lang="fr-FR" altLang="en-US" b="1" i="0" u="none" strike="noStrike" cap="none" normalizeH="0" baseline="0" dirty="0" err="1" smtClean="0">
+                <a:ln>
+                  <a:noFill/>
+                </a:ln>
+                <a:solidFill>
+                  <a:schemeClr val="tx1"/>
+                </a:solidFill>
+                <a:effectLst/>
+                <a:latin typeface="Segoe UI" panose="020B0502040204020203" pitchFamily="34" charset="0"/>
+                <a:cs typeface="Segoe UI" panose="020B0502040204020203" pitchFamily="34" charset="0"/>
+              </a:rPr>
+              <a:t>DimSupplier</a:t>
+            </a:r>
+            <a:r>
+              <a:rPr kumimoji="0" lang="fr-FR" altLang="en-US" b="0" i="0" u="none" strike="noStrike" cap="none" normalizeH="0" baseline="0" dirty="0" smtClean="0">
+                <a:ln>
+                  <a:noFill/>
+                </a:ln>
+                <a:solidFill>
+                  <a:schemeClr val="tx1"/>
+                </a:solidFill>
+                <a:effectLst/>
+                <a:latin typeface="Segoe UI" panose="020B0502040204020203" pitchFamily="34" charset="0"/>
+                <a:cs typeface="Segoe UI" panose="020B0502040204020203" pitchFamily="34" charset="0"/>
+              </a:rPr>
+              <a:t> </a:t>
+            </a:r>
+            <a:r>
+              <a:rPr kumimoji="0" lang="fr-FR" altLang="en-US" b="1" i="0" u="none" strike="noStrike" cap="none" normalizeH="0" baseline="0" dirty="0" smtClean="0">
+                <a:ln>
+                  <a:noFill/>
+                </a:ln>
+                <a:solidFill>
+                  <a:schemeClr val="tx1"/>
+                </a:solidFill>
+                <a:effectLst/>
+                <a:latin typeface="Segoe UI" panose="020B0502040204020203" pitchFamily="34" charset="0"/>
+                <a:cs typeface="Segoe UI" panose="020B0502040204020203" pitchFamily="34" charset="0"/>
+              </a:rPr>
+              <a:t>ne</a:t>
+            </a:r>
+            <a:r>
+              <a:rPr kumimoji="0" lang="fr-FR" altLang="en-US" b="0" i="0" u="none" strike="noStrike" cap="none" normalizeH="0" baseline="0" dirty="0" smtClean="0">
+                <a:ln>
+                  <a:noFill/>
+                </a:ln>
+                <a:solidFill>
+                  <a:schemeClr val="tx1"/>
+                </a:solidFill>
+                <a:effectLst/>
+                <a:latin typeface="Segoe UI" panose="020B0502040204020203" pitchFamily="34" charset="0"/>
+                <a:cs typeface="Segoe UI" panose="020B0502040204020203" pitchFamily="34" charset="0"/>
+              </a:rPr>
+              <a:t> filtrera </a:t>
+            </a:r>
+            <a:r>
+              <a:rPr kumimoji="0" lang="fr-FR" altLang="en-US" b="1" i="0" u="none" strike="noStrike" cap="none" normalizeH="0" baseline="0" dirty="0" smtClean="0">
+                <a:ln>
+                  <a:noFill/>
+                </a:ln>
+                <a:solidFill>
+                  <a:schemeClr val="tx1"/>
+                </a:solidFill>
+                <a:effectLst/>
+                <a:latin typeface="Segoe UI" panose="020B0502040204020203" pitchFamily="34" charset="0"/>
+                <a:cs typeface="Segoe UI" panose="020B0502040204020203" pitchFamily="34" charset="0"/>
+              </a:rPr>
+              <a:t>pas</a:t>
+            </a:r>
+            <a:r>
+              <a:rPr kumimoji="0" lang="fr-FR" altLang="en-US" b="0" i="0" u="none" strike="noStrike" cap="none" normalizeH="0" baseline="0" dirty="0" smtClean="0">
+                <a:ln>
+                  <a:noFill/>
+                </a:ln>
+                <a:solidFill>
+                  <a:schemeClr val="tx1"/>
+                </a:solidFill>
+                <a:effectLst/>
+                <a:latin typeface="Segoe UI" panose="020B0502040204020203" pitchFamily="34" charset="0"/>
+                <a:cs typeface="Segoe UI" panose="020B0502040204020203" pitchFamily="34" charset="0"/>
+              </a:rPr>
+              <a:t> les produits.</a:t>
+            </a:r>
+          </a:p>
+          <a:p>
+            <a:pPr lvl="1" eaLnBrk="0" fontAlgn="base" hangingPunct="0">
+              <a:spcBef>
+                <a:spcPct val="0"/>
+              </a:spcBef>
+              <a:spcAft>
+                <a:spcPct val="0"/>
+              </a:spcAft>
+            </a:pPr>
+            <a:endParaRPr kumimoji="0" lang="fr-FR" altLang="en-US" b="0" i="0" u="none" strike="noStrike" cap="none" normalizeH="0" baseline="0" dirty="0" smtClean="0">
+              <a:ln>
+                <a:noFill/>
+              </a:ln>
+              <a:solidFill>
+                <a:schemeClr val="tx1"/>
+              </a:solidFill>
+              <a:effectLst/>
+              <a:latin typeface="Segoe UI" panose="020B0502040204020203" pitchFamily="34" charset="0"/>
+              <a:cs typeface="Segoe UI" panose="020B0502040204020203" pitchFamily="34" charset="0"/>
+            </a:endParaRPr>
+          </a:p>
+          <a:p>
+            <a:pPr marL="0" marR="0" lvl="0" indent="0" algn="l" defTabSz="914400" rtl="0" eaLnBrk="0" fontAlgn="base" latinLnBrk="0" hangingPunct="0">
+              <a:lnSpc>
+                <a:spcPct val="100000"/>
+              </a:lnSpc>
+              <a:spcBef>
+                <a:spcPct val="0"/>
+              </a:spcBef>
+              <a:spcAft>
+                <a:spcPct val="0"/>
+              </a:spcAft>
+              <a:buClrTx/>
+              <a:buSzTx/>
+              <a:buFontTx/>
+              <a:buChar char="•"/>
+              <a:tabLst/>
+            </a:pPr>
+            <a:endParaRPr lang="fr-FR" altLang="en-US" dirty="0">
+              <a:latin typeface="Segoe UI" panose="020B0502040204020203" pitchFamily="34" charset="0"/>
+              <a:cs typeface="Segoe UI" panose="020B0502040204020203" pitchFamily="34" charset="0"/>
+            </a:endParaRPr>
+          </a:p>
+          <a:p>
+            <a:pPr marL="0" marR="0" lvl="0" indent="0" algn="l" defTabSz="914400" rtl="0" eaLnBrk="0" fontAlgn="base" latinLnBrk="0" hangingPunct="0">
+              <a:lnSpc>
+                <a:spcPct val="100000"/>
+              </a:lnSpc>
+              <a:spcBef>
+                <a:spcPct val="0"/>
+              </a:spcBef>
+              <a:spcAft>
+                <a:spcPct val="0"/>
+              </a:spcAft>
+              <a:buClrTx/>
+              <a:buSzTx/>
+              <a:buFontTx/>
+              <a:buChar char="•"/>
+              <a:tabLst/>
+            </a:pPr>
+            <a:r>
+              <a:rPr kumimoji="0" lang="fr-FR" altLang="en-US" b="1" i="0" u="none" strike="noStrike" cap="none" normalizeH="0" baseline="0" dirty="0" smtClean="0">
+                <a:ln>
+                  <a:noFill/>
+                </a:ln>
+                <a:solidFill>
+                  <a:schemeClr val="tx1"/>
+                </a:solidFill>
+                <a:effectLst/>
+                <a:latin typeface="Segoe UI" panose="020B0502040204020203" pitchFamily="34" charset="0"/>
+                <a:cs typeface="Segoe UI" panose="020B0502040204020203" pitchFamily="34" charset="0"/>
+              </a:rPr>
+              <a:t>Filtrage Double (</a:t>
+            </a:r>
+            <a:r>
+              <a:rPr kumimoji="0" lang="fr-FR" altLang="en-US" b="1" i="0" u="none" strike="noStrike" cap="none" normalizeH="0" baseline="0" dirty="0" err="1" smtClean="0">
+                <a:ln>
+                  <a:noFill/>
+                </a:ln>
+                <a:solidFill>
+                  <a:schemeClr val="tx1"/>
+                </a:solidFill>
+                <a:effectLst/>
+                <a:latin typeface="Segoe UI" panose="020B0502040204020203" pitchFamily="34" charset="0"/>
+                <a:cs typeface="Segoe UI" panose="020B0502040204020203" pitchFamily="34" charset="0"/>
+              </a:rPr>
+              <a:t>Both</a:t>
+            </a:r>
+            <a:r>
+              <a:rPr kumimoji="0" lang="fr-FR" altLang="en-US" b="1" i="0" u="none" strike="noStrike" cap="none" normalizeH="0" baseline="0" dirty="0" smtClean="0">
+                <a:ln>
+                  <a:noFill/>
+                </a:ln>
+                <a:solidFill>
+                  <a:schemeClr val="tx1"/>
+                </a:solidFill>
+                <a:effectLst/>
+                <a:latin typeface="Segoe UI" panose="020B0502040204020203" pitchFamily="34" charset="0"/>
+                <a:cs typeface="Segoe UI" panose="020B0502040204020203" pitchFamily="34" charset="0"/>
+              </a:rPr>
+              <a:t>)</a:t>
+            </a:r>
+            <a:r>
+              <a:rPr kumimoji="0" lang="fr-FR" altLang="en-US" b="0" i="0" u="none" strike="noStrike" cap="none" normalizeH="0" baseline="0" dirty="0" smtClean="0">
+                <a:ln>
+                  <a:noFill/>
+                </a:ln>
+                <a:solidFill>
+                  <a:schemeClr val="tx1"/>
+                </a:solidFill>
+                <a:effectLst/>
+                <a:latin typeface="Segoe UI" panose="020B0502040204020203" pitchFamily="34" charset="0"/>
+                <a:cs typeface="Segoe UI" panose="020B0502040204020203" pitchFamily="34" charset="0"/>
+              </a:rPr>
+              <a:t> :</a:t>
+            </a:r>
+          </a:p>
+          <a:p>
+            <a:pPr lvl="1" eaLnBrk="0" fontAlgn="base" hangingPunct="0">
+              <a:spcBef>
+                <a:spcPct val="0"/>
+              </a:spcBef>
+              <a:spcAft>
+                <a:spcPct val="0"/>
+              </a:spcAft>
+              <a:buFontTx/>
+              <a:buChar char="•"/>
+            </a:pPr>
+            <a:r>
+              <a:rPr kumimoji="0" lang="fr-FR" altLang="en-US" b="0" i="0" u="none" strike="noStrike" cap="none" normalizeH="0" baseline="0" dirty="0" smtClean="0">
+                <a:ln>
+                  <a:noFill/>
+                </a:ln>
+                <a:solidFill>
+                  <a:schemeClr val="tx1"/>
+                </a:solidFill>
+                <a:effectLst/>
+                <a:latin typeface="Segoe UI" panose="020B0502040204020203" pitchFamily="34" charset="0"/>
+                <a:cs typeface="Segoe UI" panose="020B0502040204020203" pitchFamily="34" charset="0"/>
+              </a:rPr>
+              <a:t>Filtrer </a:t>
+            </a:r>
+            <a:r>
+              <a:rPr kumimoji="0" lang="fr-FR" altLang="en-US" b="1" i="0" u="none" strike="noStrike" cap="none" normalizeH="0" baseline="0" dirty="0" err="1" smtClean="0">
+                <a:ln>
+                  <a:noFill/>
+                </a:ln>
+                <a:solidFill>
+                  <a:schemeClr val="tx1"/>
+                </a:solidFill>
+                <a:effectLst/>
+                <a:latin typeface="Segoe UI" panose="020B0502040204020203" pitchFamily="34" charset="0"/>
+                <a:cs typeface="Segoe UI" panose="020B0502040204020203" pitchFamily="34" charset="0"/>
+              </a:rPr>
+              <a:t>DimSupplier</a:t>
+            </a:r>
+            <a:r>
+              <a:rPr kumimoji="0" lang="fr-FR" altLang="en-US" b="0" i="0" u="none" strike="noStrike" cap="none" normalizeH="0" baseline="0" dirty="0" smtClean="0">
+                <a:ln>
+                  <a:noFill/>
+                </a:ln>
+                <a:solidFill>
+                  <a:schemeClr val="tx1"/>
+                </a:solidFill>
+                <a:effectLst/>
+                <a:latin typeface="Segoe UI" panose="020B0502040204020203" pitchFamily="34" charset="0"/>
+                <a:cs typeface="Segoe UI" panose="020B0502040204020203" pitchFamily="34" charset="0"/>
+              </a:rPr>
+              <a:t> filtrera également </a:t>
+            </a:r>
+            <a:r>
+              <a:rPr kumimoji="0" lang="fr-FR" altLang="en-US" b="1" i="0" u="none" strike="noStrike" cap="none" normalizeH="0" baseline="0" dirty="0" err="1" smtClean="0">
+                <a:ln>
+                  <a:noFill/>
+                </a:ln>
+                <a:solidFill>
+                  <a:schemeClr val="tx1"/>
+                </a:solidFill>
+                <a:effectLst/>
+                <a:latin typeface="Segoe UI" panose="020B0502040204020203" pitchFamily="34" charset="0"/>
+                <a:cs typeface="Segoe UI" panose="020B0502040204020203" pitchFamily="34" charset="0"/>
+              </a:rPr>
+              <a:t>DimProduct</a:t>
+            </a:r>
+            <a:r>
+              <a:rPr kumimoji="0" lang="fr-FR" altLang="en-US" b="0" i="0" u="none" strike="noStrike" cap="none" normalizeH="0" baseline="0" dirty="0" smtClean="0">
+                <a:ln>
+                  <a:noFill/>
+                </a:ln>
+                <a:solidFill>
+                  <a:schemeClr val="tx1"/>
+                </a:solidFill>
+                <a:effectLst/>
+                <a:latin typeface="Segoe UI" panose="020B0502040204020203" pitchFamily="34" charset="0"/>
+                <a:cs typeface="Segoe UI" panose="020B0502040204020203" pitchFamily="34" charset="0"/>
+              </a:rPr>
+              <a:t>, permettant d’afficher uniquement </a:t>
+            </a:r>
+          </a:p>
+          <a:p>
+            <a:pPr lvl="1" eaLnBrk="0" fontAlgn="base" hangingPunct="0">
+              <a:spcBef>
+                <a:spcPct val="0"/>
+              </a:spcBef>
+              <a:spcAft>
+                <a:spcPct val="0"/>
+              </a:spcAft>
+            </a:pPr>
+            <a:r>
+              <a:rPr lang="fr-FR" altLang="en-US" dirty="0">
+                <a:latin typeface="Segoe UI" panose="020B0502040204020203" pitchFamily="34" charset="0"/>
+                <a:cs typeface="Segoe UI" panose="020B0502040204020203" pitchFamily="34" charset="0"/>
+              </a:rPr>
+              <a:t> </a:t>
+            </a:r>
+            <a:r>
+              <a:rPr lang="fr-FR" altLang="en-US" dirty="0" smtClean="0">
+                <a:latin typeface="Segoe UI" panose="020B0502040204020203" pitchFamily="34" charset="0"/>
+                <a:cs typeface="Segoe UI" panose="020B0502040204020203" pitchFamily="34" charset="0"/>
+              </a:rPr>
+              <a:t> </a:t>
+            </a:r>
+            <a:r>
+              <a:rPr kumimoji="0" lang="fr-FR" altLang="en-US" b="0" i="0" u="none" strike="noStrike" cap="none" normalizeH="0" baseline="0" dirty="0" smtClean="0">
+                <a:ln>
+                  <a:noFill/>
+                </a:ln>
+                <a:solidFill>
+                  <a:schemeClr val="tx1"/>
+                </a:solidFill>
+                <a:effectLst/>
+                <a:latin typeface="Segoe UI" panose="020B0502040204020203" pitchFamily="34" charset="0"/>
+                <a:cs typeface="Segoe UI" panose="020B0502040204020203" pitchFamily="34" charset="0"/>
+              </a:rPr>
+              <a:t>les produits vendus par un fournisseur donné.</a:t>
+            </a:r>
+          </a:p>
+          <a:p>
+            <a:pPr marL="0" marR="0" lvl="0" indent="0" algn="l" defTabSz="914400" rtl="0" eaLnBrk="0" fontAlgn="base" latinLnBrk="0" hangingPunct="0">
+              <a:lnSpc>
+                <a:spcPct val="100000"/>
+              </a:lnSpc>
+              <a:spcBef>
+                <a:spcPct val="0"/>
+              </a:spcBef>
+              <a:spcAft>
+                <a:spcPct val="0"/>
+              </a:spcAft>
+              <a:buClrTx/>
+              <a:buSzTx/>
+              <a:buFontTx/>
+              <a:buNone/>
+              <a:tabLst/>
+            </a:pPr>
+            <a:endParaRPr kumimoji="0" lang="fr-FR" altLang="en-US" b="0" i="0" u="none" strike="noStrike" cap="none" normalizeH="0" baseline="0" dirty="0" smtClean="0">
+              <a:ln>
+                <a:noFill/>
+              </a:ln>
+              <a:solidFill>
+                <a:schemeClr val="tx1"/>
+              </a:solidFill>
+              <a:effectLst/>
+              <a:latin typeface="Segoe UI" panose="020B0502040204020203" pitchFamily="34" charset="0"/>
+              <a:cs typeface="Segoe UI" panose="020B0502040204020203" pitchFamily="34" charset="0"/>
+            </a:endParaRPr>
+          </a:p>
+        </p:txBody>
+      </p:sp>
+      <p:pic>
+        <p:nvPicPr>
+          <p:cNvPr id="6" name="Picture 5"/>
+          <p:cNvPicPr>
+            <a:picLocks noChangeAspect="1"/>
+          </p:cNvPicPr>
+          <p:nvPr/>
+        </p:nvPicPr>
+        <p:blipFill>
+          <a:blip r:embed="rId2"/>
+          <a:stretch>
+            <a:fillRect/>
+          </a:stretch>
+        </p:blipFill>
+        <p:spPr>
+          <a:xfrm>
+            <a:off x="5954231" y="3919611"/>
+            <a:ext cx="353558" cy="728016"/>
+          </a:xfrm>
+          <a:prstGeom prst="rect">
+            <a:avLst/>
+          </a:prstGeom>
+        </p:spPr>
+      </p:pic>
+      <p:pic>
+        <p:nvPicPr>
+          <p:cNvPr id="7" name="Picture 6"/>
+          <p:cNvPicPr>
+            <a:picLocks noChangeAspect="1"/>
+          </p:cNvPicPr>
+          <p:nvPr/>
+        </p:nvPicPr>
+        <p:blipFill>
+          <a:blip r:embed="rId3"/>
+          <a:stretch>
+            <a:fillRect/>
+          </a:stretch>
+        </p:blipFill>
+        <p:spPr>
+          <a:xfrm>
+            <a:off x="5954231" y="5316535"/>
+            <a:ext cx="353558" cy="754256"/>
+          </a:xfrm>
+          <a:prstGeom prst="rect">
+            <a:avLst/>
+          </a:prstGeom>
+        </p:spPr>
+      </p:pic>
     </p:spTree>
     <p:extLst>
       <p:ext uri="{BB962C8B-B14F-4D97-AF65-F5344CB8AC3E}">
@@ -3587,6 +4728,2037 @@
 </file>
 
 <file path=ppt/slides/slide3.xml><?xml version="1.0" encoding="utf-8"?>
+<p:sld xmlns:a="http://schemas.openxmlformats.org/drawingml/2006/main" xmlns:r="http://schemas.openxmlformats.org/officeDocument/2006/relationships" xmlns:p="http://schemas.openxmlformats.org/presentationml/2006/main">
+  <p:cSld>
+    <p:spTree>
+      <p:nvGrpSpPr>
+        <p:cNvPr id="1" name=""/>
+        <p:cNvGrpSpPr/>
+        <p:nvPr/>
+      </p:nvGrpSpPr>
+      <p:grpSpPr>
+        <a:xfrm>
+          <a:off x="0" y="0"/>
+          <a:ext cx="0" cy="0"/>
+          <a:chOff x="0" y="0"/>
+          <a:chExt cx="0" cy="0"/>
+        </a:xfrm>
+      </p:grpSpPr>
+      <p:sp>
+        <p:nvSpPr>
+          <p:cNvPr id="2" name="TextBox 1"/>
+          <p:cNvSpPr txBox="1"/>
+          <p:nvPr/>
+        </p:nvSpPr>
+        <p:spPr>
+          <a:xfrm>
+            <a:off x="288758" y="275007"/>
+            <a:ext cx="6560066" cy="400110"/>
+          </a:xfrm>
+          <a:prstGeom prst="rect">
+            <a:avLst/>
+          </a:prstGeom>
+          <a:noFill/>
+        </p:spPr>
+        <p:txBody>
+          <a:bodyPr wrap="none" rtlCol="0">
+            <a:spAutoFit/>
+          </a:bodyPr>
+          <a:lstStyle/>
+          <a:p>
+            <a:r>
+              <a:rPr lang="fr-FR" sz="2000" b="1" dirty="0" smtClean="0">
+                <a:latin typeface="Segoe UI" panose="020B0502040204020203" pitchFamily="34" charset="0"/>
+                <a:cs typeface="Segoe UI" panose="020B0502040204020203" pitchFamily="34" charset="0"/>
+              </a:rPr>
+              <a:t>Comprendre les crossfilter </a:t>
+            </a:r>
+            <a:r>
+              <a:rPr lang="fr-FR" sz="2000" b="1" dirty="0" smtClean="0">
+                <a:latin typeface="Segoe UI" panose="020B0502040204020203" pitchFamily="34" charset="0"/>
+                <a:cs typeface="Segoe UI" panose="020B0502040204020203" pitchFamily="34" charset="0"/>
+              </a:rPr>
+              <a:t>directions (Filtrage croisé)</a:t>
+            </a:r>
+            <a:endParaRPr lang="fr-FR" sz="2000" b="1" dirty="0">
+              <a:latin typeface="Segoe UI" panose="020B0502040204020203" pitchFamily="34" charset="0"/>
+              <a:cs typeface="Segoe UI" panose="020B0502040204020203" pitchFamily="34" charset="0"/>
+            </a:endParaRPr>
+          </a:p>
+        </p:txBody>
+      </p:sp>
+      <p:sp>
+        <p:nvSpPr>
+          <p:cNvPr id="3" name="Rectangle 2"/>
+          <p:cNvSpPr/>
+          <p:nvPr/>
+        </p:nvSpPr>
+        <p:spPr>
+          <a:xfrm>
+            <a:off x="288758" y="861062"/>
+            <a:ext cx="9842977" cy="404983"/>
+          </a:xfrm>
+          <a:prstGeom prst="rect">
+            <a:avLst/>
+          </a:prstGeom>
+        </p:spPr>
+        <p:txBody>
+          <a:bodyPr wrap="square">
+            <a:spAutoFit/>
+          </a:bodyPr>
+          <a:lstStyle/>
+          <a:p>
+            <a:pPr>
+              <a:lnSpc>
+                <a:spcPct val="107000"/>
+              </a:lnSpc>
+              <a:spcBef>
+                <a:spcPts val="1200"/>
+              </a:spcBef>
+              <a:spcAft>
+                <a:spcPts val="0"/>
+              </a:spcAft>
+            </a:pPr>
+            <a:r>
+              <a:rPr lang="fr-FR" sz="2000" dirty="0" smtClean="0"/>
+              <a:t>Le filtre pourra être spécifié avec la formule DAX </a:t>
+            </a:r>
+            <a:r>
+              <a:rPr lang="fr-FR" sz="2000" b="1" dirty="0" smtClean="0"/>
+              <a:t>CROSSFILTER</a:t>
+            </a:r>
+            <a:endParaRPr lang="en-US" sz="3200" b="1" kern="0" dirty="0">
+              <a:effectLst/>
+              <a:latin typeface="Segoe UI" panose="020B0502040204020203" pitchFamily="34" charset="0"/>
+              <a:ea typeface="Times New Roman" panose="02020603050405020304" pitchFamily="18" charset="0"/>
+              <a:cs typeface="Times New Roman" panose="02020603050405020304" pitchFamily="18" charset="0"/>
+            </a:endParaRPr>
+          </a:p>
+        </p:txBody>
+      </p:sp>
+      <p:pic>
+        <p:nvPicPr>
+          <p:cNvPr id="8" name="Picture 7"/>
+          <p:cNvPicPr>
+            <a:picLocks noChangeAspect="1"/>
+          </p:cNvPicPr>
+          <p:nvPr/>
+        </p:nvPicPr>
+        <p:blipFill rotWithShape="1">
+          <a:blip r:embed="rId2"/>
+          <a:srcRect b="16603"/>
+          <a:stretch/>
+        </p:blipFill>
+        <p:spPr>
+          <a:xfrm>
+            <a:off x="948185" y="2365184"/>
+            <a:ext cx="9993120" cy="3146091"/>
+          </a:xfrm>
+          <a:prstGeom prst="rect">
+            <a:avLst/>
+          </a:prstGeom>
+        </p:spPr>
+      </p:pic>
+      <p:sp>
+        <p:nvSpPr>
+          <p:cNvPr id="9" name="Rectangle 8"/>
+          <p:cNvSpPr/>
+          <p:nvPr/>
+        </p:nvSpPr>
+        <p:spPr>
+          <a:xfrm>
+            <a:off x="751686" y="1267324"/>
+            <a:ext cx="8917119" cy="369332"/>
+          </a:xfrm>
+          <a:prstGeom prst="rect">
+            <a:avLst/>
+          </a:prstGeom>
+        </p:spPr>
+        <p:txBody>
+          <a:bodyPr wrap="square">
+            <a:spAutoFit/>
+          </a:bodyPr>
+          <a:lstStyle/>
+          <a:p>
+            <a:r>
+              <a:rPr lang="en-US" dirty="0">
+                <a:solidFill>
+                  <a:srgbClr val="3165BB"/>
+                </a:solidFill>
+                <a:latin typeface="Consolas" panose="020B0609020204030204" pitchFamily="49" charset="0"/>
+              </a:rPr>
+              <a:t>CROSSFILTER</a:t>
+            </a:r>
+            <a:r>
+              <a:rPr lang="en-US" dirty="0">
+                <a:solidFill>
+                  <a:srgbClr val="000000"/>
+                </a:solidFill>
+                <a:latin typeface="Consolas" panose="020B0609020204030204" pitchFamily="49" charset="0"/>
+              </a:rPr>
+              <a:t>(</a:t>
+            </a:r>
+            <a:r>
+              <a:rPr lang="en-US" dirty="0" err="1">
+                <a:solidFill>
+                  <a:srgbClr val="000000"/>
+                </a:solidFill>
+                <a:latin typeface="Consolas" panose="020B0609020204030204" pitchFamily="49" charset="0"/>
+              </a:rPr>
+              <a:t>DimProduct</a:t>
+            </a:r>
+            <a:r>
+              <a:rPr lang="en-US" dirty="0">
+                <a:solidFill>
+                  <a:srgbClr val="000000"/>
+                </a:solidFill>
+                <a:latin typeface="Consolas" panose="020B0609020204030204" pitchFamily="49" charset="0"/>
+              </a:rPr>
+              <a:t>[</a:t>
+            </a:r>
+            <a:r>
+              <a:rPr lang="en-US" dirty="0" err="1">
+                <a:solidFill>
+                  <a:srgbClr val="000000"/>
+                </a:solidFill>
+                <a:latin typeface="Consolas" panose="020B0609020204030204" pitchFamily="49" charset="0"/>
+              </a:rPr>
+              <a:t>ProductID</a:t>
+            </a:r>
+            <a:r>
+              <a:rPr lang="en-US" dirty="0">
+                <a:solidFill>
+                  <a:srgbClr val="000000"/>
+                </a:solidFill>
+                <a:latin typeface="Consolas" panose="020B0609020204030204" pitchFamily="49" charset="0"/>
+              </a:rPr>
+              <a:t>], FactSales[</a:t>
+            </a:r>
+            <a:r>
+              <a:rPr lang="en-US" dirty="0" err="1">
+                <a:solidFill>
+                  <a:srgbClr val="000000"/>
+                </a:solidFill>
+                <a:latin typeface="Consolas" panose="020B0609020204030204" pitchFamily="49" charset="0"/>
+              </a:rPr>
+              <a:t>ProductID</a:t>
+            </a:r>
+            <a:r>
+              <a:rPr lang="en-US" dirty="0">
+                <a:solidFill>
+                  <a:srgbClr val="000000"/>
+                </a:solidFill>
+                <a:latin typeface="Consolas" panose="020B0609020204030204" pitchFamily="49" charset="0"/>
+              </a:rPr>
+              <a:t>], BOTH)</a:t>
+            </a:r>
+            <a:endParaRPr lang="en-US" b="0" dirty="0">
+              <a:solidFill>
+                <a:srgbClr val="000000"/>
+              </a:solidFill>
+              <a:effectLst/>
+              <a:latin typeface="Consolas" panose="020B0609020204030204" pitchFamily="49" charset="0"/>
+            </a:endParaRPr>
+          </a:p>
+        </p:txBody>
+      </p:sp>
+      <p:sp>
+        <p:nvSpPr>
+          <p:cNvPr id="10" name="Rectangle 9"/>
+          <p:cNvSpPr/>
+          <p:nvPr/>
+        </p:nvSpPr>
+        <p:spPr>
+          <a:xfrm>
+            <a:off x="751686" y="1631588"/>
+            <a:ext cx="8917119" cy="369332"/>
+          </a:xfrm>
+          <a:prstGeom prst="rect">
+            <a:avLst/>
+          </a:prstGeom>
+        </p:spPr>
+        <p:txBody>
+          <a:bodyPr wrap="square">
+            <a:spAutoFit/>
+          </a:bodyPr>
+          <a:lstStyle/>
+          <a:p>
+            <a:r>
+              <a:rPr lang="en-US" dirty="0" smtClean="0">
+                <a:solidFill>
+                  <a:srgbClr val="3165BB"/>
+                </a:solidFill>
+                <a:latin typeface="Consolas" panose="020B0609020204030204" pitchFamily="49" charset="0"/>
+              </a:rPr>
+              <a:t>CROSSFILTER</a:t>
+            </a:r>
+            <a:r>
+              <a:rPr lang="en-US" dirty="0" smtClean="0">
+                <a:solidFill>
+                  <a:srgbClr val="000000"/>
+                </a:solidFill>
+                <a:latin typeface="Consolas" panose="020B0609020204030204" pitchFamily="49" charset="0"/>
+              </a:rPr>
+              <a:t>(</a:t>
+            </a:r>
+            <a:r>
+              <a:rPr lang="en-US" dirty="0" err="1" smtClean="0">
+                <a:solidFill>
+                  <a:srgbClr val="000000"/>
+                </a:solidFill>
+                <a:latin typeface="Consolas" panose="020B0609020204030204" pitchFamily="49" charset="0"/>
+              </a:rPr>
+              <a:t>DimSupplier</a:t>
+            </a:r>
+            <a:r>
+              <a:rPr lang="en-US" dirty="0" smtClean="0">
+                <a:solidFill>
+                  <a:srgbClr val="000000"/>
+                </a:solidFill>
+                <a:latin typeface="Consolas" panose="020B0609020204030204" pitchFamily="49" charset="0"/>
+              </a:rPr>
+              <a:t>[</a:t>
+            </a:r>
+            <a:r>
+              <a:rPr lang="en-US" dirty="0" err="1" smtClean="0">
+                <a:solidFill>
+                  <a:srgbClr val="000000"/>
+                </a:solidFill>
+                <a:latin typeface="Consolas" panose="020B0609020204030204" pitchFamily="49" charset="0"/>
+              </a:rPr>
+              <a:t>SupplierID</a:t>
+            </a:r>
+            <a:r>
+              <a:rPr lang="en-US" dirty="0">
+                <a:solidFill>
+                  <a:srgbClr val="000000"/>
+                </a:solidFill>
+                <a:latin typeface="Consolas" panose="020B0609020204030204" pitchFamily="49" charset="0"/>
+              </a:rPr>
+              <a:t>], </a:t>
+            </a:r>
+            <a:r>
+              <a:rPr lang="en-US" dirty="0" smtClean="0">
+                <a:solidFill>
+                  <a:srgbClr val="000000"/>
+                </a:solidFill>
+                <a:latin typeface="Consolas" panose="020B0609020204030204" pitchFamily="49" charset="0"/>
+              </a:rPr>
+              <a:t>FactSales[</a:t>
+            </a:r>
+            <a:r>
+              <a:rPr lang="en-US" dirty="0" err="1" smtClean="0">
+                <a:solidFill>
+                  <a:srgbClr val="000000"/>
+                </a:solidFill>
+                <a:latin typeface="Consolas" panose="020B0609020204030204" pitchFamily="49" charset="0"/>
+              </a:rPr>
+              <a:t>SupplierID</a:t>
+            </a:r>
+            <a:r>
+              <a:rPr lang="en-US" dirty="0">
+                <a:solidFill>
+                  <a:srgbClr val="000000"/>
+                </a:solidFill>
+                <a:latin typeface="Consolas" panose="020B0609020204030204" pitchFamily="49" charset="0"/>
+              </a:rPr>
+              <a:t>], BOTH)</a:t>
+            </a:r>
+            <a:endParaRPr lang="en-US" b="0" dirty="0">
+              <a:solidFill>
+                <a:srgbClr val="000000"/>
+              </a:solidFill>
+              <a:effectLst/>
+              <a:latin typeface="Consolas" panose="020B0609020204030204" pitchFamily="49" charset="0"/>
+            </a:endParaRPr>
+          </a:p>
+        </p:txBody>
+      </p:sp>
+      <p:cxnSp>
+        <p:nvCxnSpPr>
+          <p:cNvPr id="18" name="Curved Connector 17"/>
+          <p:cNvCxnSpPr/>
+          <p:nvPr/>
+        </p:nvCxnSpPr>
+        <p:spPr>
+          <a:xfrm flipV="1">
+            <a:off x="3678794" y="4021092"/>
+            <a:ext cx="865705" cy="776896"/>
+          </a:xfrm>
+          <a:prstGeom prst="curvedConnector3">
+            <a:avLst>
+              <a:gd name="adj1" fmla="val 57148"/>
+            </a:avLst>
+          </a:prstGeom>
+          <a:ln w="34925">
+            <a:solidFill>
+              <a:srgbClr val="FF0000"/>
+            </a:solidFill>
+            <a:tailEnd type="triangle"/>
+          </a:ln>
+        </p:spPr>
+        <p:style>
+          <a:lnRef idx="3">
+            <a:schemeClr val="accent2"/>
+          </a:lnRef>
+          <a:fillRef idx="0">
+            <a:schemeClr val="accent2"/>
+          </a:fillRef>
+          <a:effectRef idx="2">
+            <a:schemeClr val="accent2"/>
+          </a:effectRef>
+          <a:fontRef idx="minor">
+            <a:schemeClr val="tx1"/>
+          </a:fontRef>
+        </p:style>
+      </p:cxnSp>
+      <p:cxnSp>
+        <p:nvCxnSpPr>
+          <p:cNvPr id="20" name="Curved Connector 19"/>
+          <p:cNvCxnSpPr/>
+          <p:nvPr/>
+        </p:nvCxnSpPr>
+        <p:spPr>
+          <a:xfrm>
+            <a:off x="7268233" y="3066334"/>
+            <a:ext cx="1010653" cy="721847"/>
+          </a:xfrm>
+          <a:prstGeom prst="curvedConnector3">
+            <a:avLst>
+              <a:gd name="adj1" fmla="val 64286"/>
+            </a:avLst>
+          </a:prstGeom>
+          <a:ln w="34925">
+            <a:solidFill>
+              <a:srgbClr val="FF0000"/>
+            </a:solidFill>
+            <a:tailEnd type="triangle"/>
+          </a:ln>
+        </p:spPr>
+        <p:style>
+          <a:lnRef idx="3">
+            <a:schemeClr val="accent2"/>
+          </a:lnRef>
+          <a:fillRef idx="0">
+            <a:schemeClr val="accent2"/>
+          </a:fillRef>
+          <a:effectRef idx="2">
+            <a:schemeClr val="accent2"/>
+          </a:effectRef>
+          <a:fontRef idx="minor">
+            <a:schemeClr val="tx1"/>
+          </a:fontRef>
+        </p:style>
+      </p:cxnSp>
+      <p:cxnSp>
+        <p:nvCxnSpPr>
+          <p:cNvPr id="24" name="Curved Connector 23"/>
+          <p:cNvCxnSpPr/>
+          <p:nvPr/>
+        </p:nvCxnSpPr>
+        <p:spPr>
+          <a:xfrm rot="10800000">
+            <a:off x="7116979" y="4042164"/>
+            <a:ext cx="1071370" cy="949089"/>
+          </a:xfrm>
+          <a:prstGeom prst="curvedConnector3">
+            <a:avLst>
+              <a:gd name="adj1" fmla="val 50000"/>
+            </a:avLst>
+          </a:prstGeom>
+          <a:ln w="34925">
+            <a:solidFill>
+              <a:srgbClr val="FF0000"/>
+            </a:solidFill>
+            <a:tailEnd type="triangle"/>
+          </a:ln>
+        </p:spPr>
+        <p:style>
+          <a:lnRef idx="3">
+            <a:schemeClr val="accent2"/>
+          </a:lnRef>
+          <a:fillRef idx="0">
+            <a:schemeClr val="accent2"/>
+          </a:fillRef>
+          <a:effectRef idx="2">
+            <a:schemeClr val="accent2"/>
+          </a:effectRef>
+          <a:fontRef idx="minor">
+            <a:schemeClr val="tx1"/>
+          </a:fontRef>
+        </p:style>
+      </p:cxnSp>
+      <p:cxnSp>
+        <p:nvCxnSpPr>
+          <p:cNvPr id="27" name="Curved Connector 26"/>
+          <p:cNvCxnSpPr/>
+          <p:nvPr/>
+        </p:nvCxnSpPr>
+        <p:spPr>
+          <a:xfrm rot="10800000" flipV="1">
+            <a:off x="3444471" y="3066007"/>
+            <a:ext cx="811270" cy="811032"/>
+          </a:xfrm>
+          <a:prstGeom prst="curvedConnector3">
+            <a:avLst>
+              <a:gd name="adj1" fmla="val 50000"/>
+            </a:avLst>
+          </a:prstGeom>
+          <a:ln w="34925">
+            <a:solidFill>
+              <a:srgbClr val="FF0000"/>
+            </a:solidFill>
+            <a:tailEnd type="triangle"/>
+          </a:ln>
+        </p:spPr>
+        <p:style>
+          <a:lnRef idx="3">
+            <a:schemeClr val="accent2"/>
+          </a:lnRef>
+          <a:fillRef idx="0">
+            <a:schemeClr val="accent2"/>
+          </a:fillRef>
+          <a:effectRef idx="2">
+            <a:schemeClr val="accent2"/>
+          </a:effectRef>
+          <a:fontRef idx="minor">
+            <a:schemeClr val="tx1"/>
+          </a:fontRef>
+        </p:style>
+      </p:cxnSp>
+    </p:spTree>
+    <p:extLst>
+      <p:ext uri="{BB962C8B-B14F-4D97-AF65-F5344CB8AC3E}">
+        <p14:creationId xmlns:p14="http://schemas.microsoft.com/office/powerpoint/2010/main" val="3323413262"/>
+      </p:ext>
+    </p:extLst>
+  </p:cSld>
+  <p:clrMapOvr>
+    <a:masterClrMapping/>
+  </p:clrMapOvr>
+</p:sld>
+</file>
+
+<file path=ppt/slides/slide4.xml><?xml version="1.0" encoding="utf-8"?>
+<p:sld xmlns:a="http://schemas.openxmlformats.org/drawingml/2006/main" xmlns:r="http://schemas.openxmlformats.org/officeDocument/2006/relationships" xmlns:p="http://schemas.openxmlformats.org/presentationml/2006/main">
+  <p:cSld>
+    <p:spTree>
+      <p:nvGrpSpPr>
+        <p:cNvPr id="1" name=""/>
+        <p:cNvGrpSpPr/>
+        <p:nvPr/>
+      </p:nvGrpSpPr>
+      <p:grpSpPr>
+        <a:xfrm>
+          <a:off x="0" y="0"/>
+          <a:ext cx="0" cy="0"/>
+          <a:chOff x="0" y="0"/>
+          <a:chExt cx="0" cy="0"/>
+        </a:xfrm>
+      </p:grpSpPr>
+      <p:sp>
+        <p:nvSpPr>
+          <p:cNvPr id="2" name="TextBox 1"/>
+          <p:cNvSpPr txBox="1"/>
+          <p:nvPr/>
+        </p:nvSpPr>
+        <p:spPr>
+          <a:xfrm>
+            <a:off x="288758" y="275007"/>
+            <a:ext cx="6560066" cy="400110"/>
+          </a:xfrm>
+          <a:prstGeom prst="rect">
+            <a:avLst/>
+          </a:prstGeom>
+          <a:noFill/>
+        </p:spPr>
+        <p:txBody>
+          <a:bodyPr wrap="none" rtlCol="0">
+            <a:spAutoFit/>
+          </a:bodyPr>
+          <a:lstStyle/>
+          <a:p>
+            <a:r>
+              <a:rPr lang="fr-FR" sz="2000" b="1" dirty="0" smtClean="0">
+                <a:latin typeface="Segoe UI" panose="020B0502040204020203" pitchFamily="34" charset="0"/>
+                <a:cs typeface="Segoe UI" panose="020B0502040204020203" pitchFamily="34" charset="0"/>
+              </a:rPr>
+              <a:t>Comprendre les crossfilter </a:t>
+            </a:r>
+            <a:r>
+              <a:rPr lang="fr-FR" sz="2000" b="1" dirty="0" smtClean="0">
+                <a:latin typeface="Segoe UI" panose="020B0502040204020203" pitchFamily="34" charset="0"/>
+                <a:cs typeface="Segoe UI" panose="020B0502040204020203" pitchFamily="34" charset="0"/>
+              </a:rPr>
+              <a:t>directions (Filtrage croisé)</a:t>
+            </a:r>
+            <a:endParaRPr lang="fr-FR" sz="2000" b="1" dirty="0">
+              <a:latin typeface="Segoe UI" panose="020B0502040204020203" pitchFamily="34" charset="0"/>
+              <a:cs typeface="Segoe UI" panose="020B0502040204020203" pitchFamily="34" charset="0"/>
+            </a:endParaRPr>
+          </a:p>
+        </p:txBody>
+      </p:sp>
+      <p:sp>
+        <p:nvSpPr>
+          <p:cNvPr id="4" name="Rectangle 3"/>
+          <p:cNvSpPr/>
+          <p:nvPr/>
+        </p:nvSpPr>
+        <p:spPr>
+          <a:xfrm>
+            <a:off x="387302" y="871399"/>
+            <a:ext cx="11245516" cy="369332"/>
+          </a:xfrm>
+          <a:prstGeom prst="rect">
+            <a:avLst/>
+          </a:prstGeom>
+        </p:spPr>
+        <p:txBody>
+          <a:bodyPr wrap="square">
+            <a:spAutoFit/>
+          </a:bodyPr>
+          <a:lstStyle/>
+          <a:p>
+            <a:r>
+              <a:rPr lang="fr-FR" dirty="0" smtClean="0"/>
+              <a:t>Dans</a:t>
+            </a:r>
+            <a:r>
+              <a:rPr lang="fr-FR" b="1" dirty="0" smtClean="0"/>
+              <a:t> </a:t>
+            </a:r>
+            <a:r>
+              <a:rPr lang="fr-FR" b="1" dirty="0" err="1"/>
+              <a:t>DimSupplier</a:t>
+            </a:r>
+            <a:r>
+              <a:rPr lang="fr-FR" dirty="0"/>
+              <a:t> pour compter le nombre de fournisseurs ayant des ventes supérieures à un seuil (ex: 400).</a:t>
+            </a:r>
+            <a:endParaRPr lang="en-US" dirty="0"/>
+          </a:p>
+        </p:txBody>
+      </p:sp>
+      <p:sp>
+        <p:nvSpPr>
+          <p:cNvPr id="5" name="Rectangle 4"/>
+          <p:cNvSpPr/>
+          <p:nvPr/>
+        </p:nvSpPr>
+        <p:spPr>
+          <a:xfrm>
+            <a:off x="449179" y="1349675"/>
+            <a:ext cx="6096000" cy="1477328"/>
+          </a:xfrm>
+          <a:prstGeom prst="rect">
+            <a:avLst/>
+          </a:prstGeom>
+        </p:spPr>
+        <p:txBody>
+          <a:bodyPr>
+            <a:spAutoFit/>
+          </a:bodyPr>
+          <a:lstStyle/>
+          <a:p>
+            <a:r>
+              <a:rPr lang="en-US" dirty="0"/>
+              <a:t>Count Suppliers Above 400 = CALCULATE(    COUNT(</a:t>
+            </a:r>
+            <a:r>
+              <a:rPr lang="en-US" dirty="0" err="1"/>
+              <a:t>DimSupplier</a:t>
+            </a:r>
+            <a:r>
+              <a:rPr lang="en-US" dirty="0"/>
+              <a:t>[</a:t>
+            </a:r>
+            <a:r>
+              <a:rPr lang="en-US" dirty="0" err="1"/>
+              <a:t>SupplierID</a:t>
+            </a:r>
+            <a:r>
+              <a:rPr lang="en-US" dirty="0"/>
+              <a:t>]),    FILTER(FactSales, FactSales[</a:t>
+            </a:r>
+            <a:r>
+              <a:rPr lang="en-US" dirty="0" err="1"/>
+              <a:t>SalesAmount</a:t>
+            </a:r>
+            <a:r>
+              <a:rPr lang="en-US" dirty="0"/>
+              <a:t>] &gt; 400),    CROSSFILTER(</a:t>
+            </a:r>
+            <a:r>
+              <a:rPr lang="en-US" dirty="0" err="1"/>
+              <a:t>DimSupplier</a:t>
+            </a:r>
+            <a:r>
+              <a:rPr lang="en-US" dirty="0"/>
+              <a:t>[</a:t>
+            </a:r>
+            <a:r>
+              <a:rPr lang="en-US" dirty="0" err="1"/>
+              <a:t>SupplierID</a:t>
+            </a:r>
+            <a:r>
+              <a:rPr lang="en-US" dirty="0"/>
+              <a:t>], FactSales[</a:t>
+            </a:r>
+            <a:r>
+              <a:rPr lang="en-US" dirty="0" err="1"/>
+              <a:t>SupplierID</a:t>
+            </a:r>
+            <a:r>
+              <a:rPr lang="en-US" dirty="0"/>
+              <a:t>], BOTH))</a:t>
+            </a:r>
+          </a:p>
+        </p:txBody>
+      </p:sp>
+      <p:sp>
+        <p:nvSpPr>
+          <p:cNvPr id="13" name="Rectangle 12"/>
+          <p:cNvSpPr/>
+          <p:nvPr/>
+        </p:nvSpPr>
+        <p:spPr>
+          <a:xfrm>
+            <a:off x="449179" y="2935947"/>
+            <a:ext cx="11245516" cy="369332"/>
+          </a:xfrm>
+          <a:prstGeom prst="rect">
+            <a:avLst/>
+          </a:prstGeom>
+        </p:spPr>
+        <p:txBody>
+          <a:bodyPr wrap="square">
+            <a:spAutoFit/>
+          </a:bodyPr>
+          <a:lstStyle/>
+          <a:p>
+            <a:r>
+              <a:rPr lang="fr-FR" dirty="0" smtClean="0"/>
+              <a:t>Dans</a:t>
+            </a:r>
+            <a:r>
+              <a:rPr lang="fr-FR" b="1" dirty="0" smtClean="0"/>
+              <a:t> </a:t>
+            </a:r>
+            <a:r>
+              <a:rPr lang="fr-FR" b="1" dirty="0" err="1" smtClean="0"/>
+              <a:t>DimProduct</a:t>
+            </a:r>
+            <a:r>
+              <a:rPr lang="fr-FR" dirty="0" smtClean="0"/>
+              <a:t> </a:t>
+            </a:r>
+            <a:r>
+              <a:rPr lang="fr-FR" dirty="0"/>
+              <a:t>pour compter le nombre de fournisseurs ayant des ventes supérieures à un seuil (ex: 400).</a:t>
+            </a:r>
+            <a:endParaRPr lang="en-US" dirty="0"/>
+          </a:p>
+        </p:txBody>
+      </p:sp>
+      <p:sp>
+        <p:nvSpPr>
+          <p:cNvPr id="6" name="Rectangle 5"/>
+          <p:cNvSpPr/>
+          <p:nvPr/>
+        </p:nvSpPr>
+        <p:spPr>
+          <a:xfrm>
+            <a:off x="520791" y="3577236"/>
+            <a:ext cx="6096000" cy="1477328"/>
+          </a:xfrm>
+          <a:prstGeom prst="rect">
+            <a:avLst/>
+          </a:prstGeom>
+        </p:spPr>
+        <p:txBody>
+          <a:bodyPr>
+            <a:spAutoFit/>
+          </a:bodyPr>
+          <a:lstStyle/>
+          <a:p>
+            <a:r>
+              <a:rPr lang="en-US" dirty="0"/>
+              <a:t>Count Products Above 400 = CALCULATE(    COUNT(</a:t>
+            </a:r>
+            <a:r>
+              <a:rPr lang="en-US" dirty="0" err="1"/>
+              <a:t>DimProduct</a:t>
+            </a:r>
+            <a:r>
+              <a:rPr lang="en-US" dirty="0"/>
+              <a:t>[</a:t>
+            </a:r>
+            <a:r>
+              <a:rPr lang="en-US" dirty="0" err="1"/>
+              <a:t>ProductID</a:t>
+            </a:r>
+            <a:r>
+              <a:rPr lang="en-US" dirty="0"/>
+              <a:t>]),    FILTER(FactSales, FactSales[</a:t>
+            </a:r>
+            <a:r>
+              <a:rPr lang="en-US" dirty="0" err="1"/>
+              <a:t>SalesAmount</a:t>
+            </a:r>
+            <a:r>
+              <a:rPr lang="en-US" dirty="0"/>
+              <a:t>] &gt; 400),    CROSSFILTER(</a:t>
+            </a:r>
+            <a:r>
+              <a:rPr lang="en-US" dirty="0" err="1"/>
+              <a:t>DimProduct</a:t>
+            </a:r>
+            <a:r>
+              <a:rPr lang="en-US" dirty="0"/>
+              <a:t>[</a:t>
+            </a:r>
+            <a:r>
+              <a:rPr lang="en-US" dirty="0" err="1"/>
+              <a:t>ProductID</a:t>
+            </a:r>
+            <a:r>
+              <a:rPr lang="en-US" dirty="0"/>
+              <a:t>], FactSales[</a:t>
+            </a:r>
+            <a:r>
+              <a:rPr lang="en-US" dirty="0" err="1"/>
+              <a:t>ProductID</a:t>
+            </a:r>
+            <a:r>
+              <a:rPr lang="en-US" dirty="0"/>
+              <a:t>], BOTH))</a:t>
+            </a:r>
+          </a:p>
+        </p:txBody>
+      </p:sp>
+    </p:spTree>
+    <p:extLst>
+      <p:ext uri="{BB962C8B-B14F-4D97-AF65-F5344CB8AC3E}">
+        <p14:creationId xmlns:p14="http://schemas.microsoft.com/office/powerpoint/2010/main" val="2071108586"/>
+      </p:ext>
+    </p:extLst>
+  </p:cSld>
+  <p:clrMapOvr>
+    <a:masterClrMapping/>
+  </p:clrMapOvr>
+</p:sld>
+</file>
+
+<file path=ppt/slides/slide5.xml><?xml version="1.0" encoding="utf-8"?>
+<p:sld xmlns:a="http://schemas.openxmlformats.org/drawingml/2006/main" xmlns:r="http://schemas.openxmlformats.org/officeDocument/2006/relationships" xmlns:p="http://schemas.openxmlformats.org/presentationml/2006/main">
+  <p:cSld>
+    <p:spTree>
+      <p:nvGrpSpPr>
+        <p:cNvPr id="1" name=""/>
+        <p:cNvGrpSpPr/>
+        <p:nvPr/>
+      </p:nvGrpSpPr>
+      <p:grpSpPr>
+        <a:xfrm>
+          <a:off x="0" y="0"/>
+          <a:ext cx="0" cy="0"/>
+          <a:chOff x="0" y="0"/>
+          <a:chExt cx="0" cy="0"/>
+        </a:xfrm>
+      </p:grpSpPr>
+      <p:sp>
+        <p:nvSpPr>
+          <p:cNvPr id="2" name="TextBox 1"/>
+          <p:cNvSpPr txBox="1"/>
+          <p:nvPr/>
+        </p:nvSpPr>
+        <p:spPr>
+          <a:xfrm>
+            <a:off x="288758" y="275007"/>
+            <a:ext cx="6560066" cy="400110"/>
+          </a:xfrm>
+          <a:prstGeom prst="rect">
+            <a:avLst/>
+          </a:prstGeom>
+          <a:noFill/>
+        </p:spPr>
+        <p:txBody>
+          <a:bodyPr wrap="none" rtlCol="0">
+            <a:spAutoFit/>
+          </a:bodyPr>
+          <a:lstStyle/>
+          <a:p>
+            <a:r>
+              <a:rPr lang="fr-FR" sz="2000" b="1" dirty="0" smtClean="0">
+                <a:latin typeface="Segoe UI" panose="020B0502040204020203" pitchFamily="34" charset="0"/>
+                <a:cs typeface="Segoe UI" panose="020B0502040204020203" pitchFamily="34" charset="0"/>
+              </a:rPr>
+              <a:t>Comprendre les crossfilter </a:t>
+            </a:r>
+            <a:r>
+              <a:rPr lang="fr-FR" sz="2000" b="1" dirty="0" smtClean="0">
+                <a:latin typeface="Segoe UI" panose="020B0502040204020203" pitchFamily="34" charset="0"/>
+                <a:cs typeface="Segoe UI" panose="020B0502040204020203" pitchFamily="34" charset="0"/>
+              </a:rPr>
+              <a:t>directions (Filtrage croisé)</a:t>
+            </a:r>
+            <a:endParaRPr lang="fr-FR" sz="2000" b="1" dirty="0">
+              <a:latin typeface="Segoe UI" panose="020B0502040204020203" pitchFamily="34" charset="0"/>
+              <a:cs typeface="Segoe UI" panose="020B0502040204020203" pitchFamily="34" charset="0"/>
+            </a:endParaRPr>
+          </a:p>
+        </p:txBody>
+      </p:sp>
+      <p:sp>
+        <p:nvSpPr>
+          <p:cNvPr id="3" name="Rectangle 1"/>
+          <p:cNvSpPr>
+            <a:spLocks noChangeArrowheads="1"/>
+          </p:cNvSpPr>
+          <p:nvPr/>
+        </p:nvSpPr>
+        <p:spPr bwMode="auto">
+          <a:xfrm>
+            <a:off x="288758" y="912105"/>
+            <a:ext cx="11426562" cy="1754326"/>
+          </a:xfrm>
+          <a:prstGeom prst="rect">
+            <a:avLst/>
+          </a:prstGeom>
+          <a:noFill/>
+          <a:ln>
+            <a:noFill/>
+          </a:ln>
+          <a:effectLst/>
+          <a:extLst>
+            <a:ext uri="{909E8E84-426E-40DD-AFC4-6F175D3DCCD1}">
+              <a14:hiddenFill xmlns:a14="http://schemas.microsoft.com/office/drawing/2010/main">
+                <a:solidFill>
+                  <a:schemeClr val="accent1"/>
+                </a:solidFill>
+              </a14:hiddenFill>
+            </a:ext>
+            <a:ext uri="{91240B29-F687-4F45-9708-019B960494DF}">
+              <a14:hiddenLine xmlns:a14="http://schemas.microsoft.com/office/drawing/2010/main" w="9525">
+                <a:solidFill>
+                  <a:schemeClr val="tx1"/>
+                </a:solidFill>
+                <a:miter lim="800000"/>
+                <a:headEnd/>
+                <a:tailEnd/>
+              </a14:hiddenLine>
+            </a:ext>
+            <a:ext uri="{AF507438-7753-43E0-B8FC-AC1667EBCBE1}">
+              <a14:hiddenEffects xmlns:a14="http://schemas.microsoft.com/office/drawing/2010/main">
+                <a:effectLst>
+                  <a:outerShdw dist="35921" dir="2700000" algn="ctr" rotWithShape="0">
+                    <a:schemeClr val="bg2"/>
+                  </a:outerShdw>
+                </a:effectLst>
+              </a14:hiddenEffects>
+            </a:ext>
+          </a:extLst>
+        </p:spPr>
+        <p:txBody>
+          <a:bodyPr vert="horz" wrap="square" lIns="91440" tIns="45720" rIns="91440" bIns="45720" numCol="1" anchor="ctr" anchorCtr="0" compatLnSpc="1">
+            <a:prstTxWarp prst="textNoShape">
+              <a:avLst/>
+            </a:prstTxWarp>
+            <a:spAutoFit/>
+          </a:bodyPr>
+          <a:lstStyle/>
+          <a:p>
+            <a:pPr marL="0" marR="0" lvl="0" indent="0" algn="l" defTabSz="914400" rtl="0" eaLnBrk="0" fontAlgn="base" latinLnBrk="0" hangingPunct="0">
+              <a:lnSpc>
+                <a:spcPct val="100000"/>
+              </a:lnSpc>
+              <a:spcBef>
+                <a:spcPct val="0"/>
+              </a:spcBef>
+              <a:spcAft>
+                <a:spcPct val="0"/>
+              </a:spcAft>
+              <a:buClrTx/>
+              <a:buSzTx/>
+              <a:buFontTx/>
+              <a:buNone/>
+              <a:tabLst/>
+            </a:pPr>
+            <a:r>
+              <a:rPr kumimoji="0" lang="fr-FR" altLang="en-US" b="1" i="0" u="none" strike="noStrike" cap="none" normalizeH="0" baseline="0" dirty="0" smtClean="0">
+                <a:ln>
+                  <a:noFill/>
+                </a:ln>
+                <a:solidFill>
+                  <a:schemeClr val="tx1"/>
+                </a:solidFill>
+                <a:effectLst/>
+                <a:latin typeface="Segoe UI" panose="020B0502040204020203" pitchFamily="34" charset="0"/>
+                <a:cs typeface="Segoe UI" panose="020B0502040204020203" pitchFamily="34" charset="0"/>
+              </a:rPr>
+              <a:t>Effet attendu :</a:t>
+            </a:r>
+            <a:endParaRPr kumimoji="0" lang="fr-FR" altLang="en-US" b="0" i="0" u="none" strike="noStrike" cap="none" normalizeH="0" baseline="0" dirty="0" smtClean="0">
+              <a:ln>
+                <a:noFill/>
+              </a:ln>
+              <a:solidFill>
+                <a:schemeClr val="tx1"/>
+              </a:solidFill>
+              <a:effectLst/>
+              <a:latin typeface="Segoe UI" panose="020B0502040204020203" pitchFamily="34" charset="0"/>
+              <a:cs typeface="Segoe UI" panose="020B0502040204020203" pitchFamily="34" charset="0"/>
+            </a:endParaRPr>
+          </a:p>
+          <a:p>
+            <a:pPr marL="0" marR="0" lvl="0" indent="0" algn="l" defTabSz="914400" rtl="0" eaLnBrk="0" fontAlgn="base" latinLnBrk="0" hangingPunct="0">
+              <a:lnSpc>
+                <a:spcPct val="100000"/>
+              </a:lnSpc>
+              <a:spcBef>
+                <a:spcPct val="0"/>
+              </a:spcBef>
+              <a:spcAft>
+                <a:spcPct val="0"/>
+              </a:spcAft>
+              <a:buClrTx/>
+              <a:buSzTx/>
+              <a:buFontTx/>
+              <a:buChar char="•"/>
+              <a:tabLst/>
+            </a:pPr>
+            <a:r>
+              <a:rPr kumimoji="0" lang="fr-FR" altLang="en-US" b="0" i="0" u="none" strike="noStrike" cap="none" normalizeH="0" baseline="0" dirty="0" smtClean="0">
+                <a:ln>
+                  <a:noFill/>
+                </a:ln>
+                <a:solidFill>
+                  <a:schemeClr val="tx1"/>
+                </a:solidFill>
+                <a:effectLst/>
+                <a:latin typeface="Segoe UI" panose="020B0502040204020203" pitchFamily="34" charset="0"/>
+                <a:cs typeface="Segoe UI" panose="020B0502040204020203" pitchFamily="34" charset="0"/>
+              </a:rPr>
+              <a:t>En mode </a:t>
+            </a:r>
+            <a:r>
+              <a:rPr kumimoji="0" lang="fr-FR" altLang="en-US" b="1" i="0" u="none" strike="noStrike" cap="none" normalizeH="0" baseline="0" dirty="0" smtClean="0">
+                <a:ln>
+                  <a:noFill/>
+                </a:ln>
+                <a:solidFill>
+                  <a:schemeClr val="tx1"/>
+                </a:solidFill>
+                <a:effectLst/>
+                <a:latin typeface="Segoe UI" panose="020B0502040204020203" pitchFamily="34" charset="0"/>
+                <a:cs typeface="Segoe UI" panose="020B0502040204020203" pitchFamily="34" charset="0"/>
+              </a:rPr>
+              <a:t>Single Direction</a:t>
+            </a:r>
+            <a:r>
+              <a:rPr kumimoji="0" lang="fr-FR" altLang="en-US" b="0" i="0" u="none" strike="noStrike" cap="none" normalizeH="0" baseline="0" dirty="0" smtClean="0">
+                <a:ln>
+                  <a:noFill/>
+                </a:ln>
+                <a:solidFill>
+                  <a:schemeClr val="tx1"/>
+                </a:solidFill>
+                <a:effectLst/>
+                <a:latin typeface="Segoe UI" panose="020B0502040204020203" pitchFamily="34" charset="0"/>
+                <a:cs typeface="Segoe UI" panose="020B0502040204020203" pitchFamily="34" charset="0"/>
+              </a:rPr>
+              <a:t>, cette mesure retournera </a:t>
+            </a:r>
+            <a:r>
+              <a:rPr kumimoji="0" lang="fr-FR" altLang="en-US" i="0" u="sng" strike="noStrike" cap="none" normalizeH="0" baseline="0" dirty="0" smtClean="0">
+                <a:ln>
+                  <a:noFill/>
+                </a:ln>
+                <a:solidFill>
+                  <a:schemeClr val="tx1"/>
+                </a:solidFill>
+                <a:effectLst/>
+                <a:latin typeface="Segoe UI" panose="020B0502040204020203" pitchFamily="34" charset="0"/>
+                <a:cs typeface="Segoe UI" panose="020B0502040204020203" pitchFamily="34" charset="0"/>
+              </a:rPr>
+              <a:t>le nombre total de fournisseurs</a:t>
+            </a:r>
+            <a:r>
+              <a:rPr kumimoji="0" lang="fr-FR" altLang="en-US" b="0" i="0" u="none" strike="noStrike" cap="none" normalizeH="0" baseline="0" dirty="0" smtClean="0">
+                <a:ln>
+                  <a:noFill/>
+                </a:ln>
+                <a:solidFill>
+                  <a:schemeClr val="tx1"/>
+                </a:solidFill>
+                <a:effectLst/>
+                <a:latin typeface="Segoe UI" panose="020B0502040204020203" pitchFamily="34" charset="0"/>
+                <a:cs typeface="Segoe UI" panose="020B0502040204020203" pitchFamily="34" charset="0"/>
+              </a:rPr>
+              <a:t>, car </a:t>
+            </a:r>
+            <a:r>
+              <a:rPr kumimoji="0" lang="fr-FR" altLang="en-US" b="1" i="0" u="none" strike="noStrike" cap="none" normalizeH="0" baseline="0" dirty="0" smtClean="0">
+                <a:ln>
+                  <a:noFill/>
+                </a:ln>
+                <a:solidFill>
+                  <a:schemeClr val="tx1"/>
+                </a:solidFill>
+                <a:effectLst/>
+                <a:latin typeface="Segoe UI" panose="020B0502040204020203" pitchFamily="34" charset="0"/>
+                <a:cs typeface="Segoe UI" panose="020B0502040204020203" pitchFamily="34" charset="0"/>
+              </a:rPr>
+              <a:t>FactSales</a:t>
+            </a:r>
+            <a:r>
+              <a:rPr kumimoji="0" lang="fr-FR" altLang="en-US" b="0" i="0" u="none" strike="noStrike" cap="none" normalizeH="0" baseline="0" dirty="0" smtClean="0">
+                <a:ln>
+                  <a:noFill/>
+                </a:ln>
+                <a:solidFill>
+                  <a:schemeClr val="tx1"/>
+                </a:solidFill>
+                <a:effectLst/>
+                <a:latin typeface="Segoe UI" panose="020B0502040204020203" pitchFamily="34" charset="0"/>
+                <a:cs typeface="Segoe UI" panose="020B0502040204020203" pitchFamily="34" charset="0"/>
+              </a:rPr>
+              <a:t> </a:t>
+            </a:r>
+          </a:p>
+          <a:p>
+            <a:pPr marL="0" marR="0" lvl="0" indent="0" algn="l" defTabSz="914400" rtl="0" eaLnBrk="0" fontAlgn="base" latinLnBrk="0" hangingPunct="0">
+              <a:lnSpc>
+                <a:spcPct val="100000"/>
+              </a:lnSpc>
+              <a:spcBef>
+                <a:spcPct val="0"/>
+              </a:spcBef>
+              <a:spcAft>
+                <a:spcPct val="0"/>
+              </a:spcAft>
+              <a:buClrTx/>
+              <a:buSzTx/>
+              <a:tabLst/>
+            </a:pPr>
+            <a:r>
+              <a:rPr lang="fr-FR" altLang="en-US" dirty="0" smtClean="0">
+                <a:latin typeface="Segoe UI" panose="020B0502040204020203" pitchFamily="34" charset="0"/>
+                <a:cs typeface="Segoe UI" panose="020B0502040204020203" pitchFamily="34" charset="0"/>
+              </a:rPr>
+              <a:t> </a:t>
+            </a:r>
+            <a:r>
+              <a:rPr kumimoji="0" lang="fr-FR" altLang="en-US" i="0" u="none" strike="noStrike" cap="none" normalizeH="0" baseline="0" dirty="0" smtClean="0">
+                <a:ln>
+                  <a:noFill/>
+                </a:ln>
+                <a:solidFill>
+                  <a:schemeClr val="tx1"/>
+                </a:solidFill>
+                <a:effectLst/>
+                <a:latin typeface="Segoe UI" panose="020B0502040204020203" pitchFamily="34" charset="0"/>
+                <a:cs typeface="Segoe UI" panose="020B0502040204020203" pitchFamily="34" charset="0"/>
+              </a:rPr>
+              <a:t>ne peut   pas filtrer </a:t>
+            </a:r>
+            <a:r>
+              <a:rPr kumimoji="0" lang="fr-FR" altLang="en-US" b="1" i="0" u="none" strike="noStrike" cap="none" normalizeH="0" baseline="0" dirty="0" err="1" smtClean="0">
+                <a:ln>
+                  <a:noFill/>
+                </a:ln>
+                <a:solidFill>
+                  <a:schemeClr val="tx1"/>
+                </a:solidFill>
+                <a:effectLst/>
+                <a:latin typeface="Segoe UI" panose="020B0502040204020203" pitchFamily="34" charset="0"/>
+                <a:cs typeface="Segoe UI" panose="020B0502040204020203" pitchFamily="34" charset="0"/>
+              </a:rPr>
+              <a:t>DimSupplier</a:t>
+            </a:r>
+            <a:r>
+              <a:rPr kumimoji="0" lang="fr-FR" altLang="en-US" b="0" i="0" u="none" strike="noStrike" cap="none" normalizeH="0" baseline="0" dirty="0" smtClean="0">
+                <a:ln>
+                  <a:noFill/>
+                </a:ln>
+                <a:solidFill>
+                  <a:schemeClr val="tx1"/>
+                </a:solidFill>
+                <a:effectLst/>
+                <a:latin typeface="Segoe UI" panose="020B0502040204020203" pitchFamily="34" charset="0"/>
+                <a:cs typeface="Segoe UI" panose="020B0502040204020203" pitchFamily="34" charset="0"/>
+              </a:rPr>
+              <a:t>.</a:t>
+            </a:r>
+          </a:p>
+          <a:p>
+            <a:pPr marL="0" marR="0" lvl="0" indent="0" algn="l" defTabSz="914400" rtl="0" eaLnBrk="0" fontAlgn="base" latinLnBrk="0" hangingPunct="0">
+              <a:lnSpc>
+                <a:spcPct val="100000"/>
+              </a:lnSpc>
+              <a:spcBef>
+                <a:spcPct val="0"/>
+              </a:spcBef>
+              <a:spcAft>
+                <a:spcPct val="0"/>
+              </a:spcAft>
+              <a:buClrTx/>
+              <a:buSzTx/>
+              <a:buFontTx/>
+              <a:buChar char="•"/>
+              <a:tabLst/>
+            </a:pPr>
+            <a:r>
+              <a:rPr kumimoji="0" lang="fr-FR" altLang="en-US" b="0" i="0" u="none" strike="noStrike" cap="none" normalizeH="0" baseline="0" dirty="0" smtClean="0">
+                <a:ln>
+                  <a:noFill/>
+                </a:ln>
+                <a:solidFill>
+                  <a:schemeClr val="tx1"/>
+                </a:solidFill>
+                <a:effectLst/>
+                <a:latin typeface="Segoe UI" panose="020B0502040204020203" pitchFamily="34" charset="0"/>
+                <a:cs typeface="Segoe UI" panose="020B0502040204020203" pitchFamily="34" charset="0"/>
+              </a:rPr>
+              <a:t>En mode </a:t>
+            </a:r>
+            <a:r>
+              <a:rPr kumimoji="0" lang="fr-FR" altLang="en-US" b="1" i="0" u="none" strike="noStrike" cap="none" normalizeH="0" baseline="0" dirty="0" err="1" smtClean="0">
+                <a:ln>
+                  <a:noFill/>
+                </a:ln>
+                <a:solidFill>
+                  <a:schemeClr val="tx1"/>
+                </a:solidFill>
+                <a:effectLst/>
+                <a:latin typeface="Segoe UI" panose="020B0502040204020203" pitchFamily="34" charset="0"/>
+                <a:cs typeface="Segoe UI" panose="020B0502040204020203" pitchFamily="34" charset="0"/>
+              </a:rPr>
+              <a:t>Both</a:t>
+            </a:r>
+            <a:r>
+              <a:rPr kumimoji="0" lang="fr-FR" altLang="en-US" b="1" i="0" u="none" strike="noStrike" cap="none" normalizeH="0" baseline="0" dirty="0" smtClean="0">
+                <a:ln>
+                  <a:noFill/>
+                </a:ln>
+                <a:solidFill>
+                  <a:schemeClr val="tx1"/>
+                </a:solidFill>
+                <a:effectLst/>
+                <a:latin typeface="Segoe UI" panose="020B0502040204020203" pitchFamily="34" charset="0"/>
+                <a:cs typeface="Segoe UI" panose="020B0502040204020203" pitchFamily="34" charset="0"/>
+              </a:rPr>
+              <a:t> Direction</a:t>
+            </a:r>
+            <a:r>
+              <a:rPr kumimoji="0" lang="fr-FR" altLang="en-US" b="0" i="0" u="none" strike="noStrike" cap="none" normalizeH="0" baseline="0" dirty="0" smtClean="0">
+                <a:ln>
+                  <a:noFill/>
+                </a:ln>
+                <a:solidFill>
+                  <a:schemeClr val="tx1"/>
+                </a:solidFill>
+                <a:effectLst/>
+                <a:latin typeface="Segoe UI" panose="020B0502040204020203" pitchFamily="34" charset="0"/>
+                <a:cs typeface="Segoe UI" panose="020B0502040204020203" pitchFamily="34" charset="0"/>
+              </a:rPr>
+              <a:t>, cette mesure retournera </a:t>
+            </a:r>
+            <a:r>
+              <a:rPr kumimoji="0" lang="fr-FR" altLang="en-US" i="0" u="sng" strike="noStrike" cap="none" normalizeH="0" baseline="0" dirty="0" smtClean="0">
+                <a:ln>
+                  <a:noFill/>
+                </a:ln>
+                <a:solidFill>
+                  <a:schemeClr val="tx1"/>
+                </a:solidFill>
+                <a:effectLst/>
+                <a:latin typeface="Segoe UI" panose="020B0502040204020203" pitchFamily="34" charset="0"/>
+                <a:cs typeface="Segoe UI" panose="020B0502040204020203" pitchFamily="34" charset="0"/>
+              </a:rPr>
+              <a:t>uniquement les fournisseurs qui ont vendu </a:t>
+            </a:r>
+          </a:p>
+          <a:p>
+            <a:pPr marL="0" marR="0" lvl="0" indent="0" algn="l" defTabSz="914400" rtl="0" eaLnBrk="0" fontAlgn="base" latinLnBrk="0" hangingPunct="0">
+              <a:lnSpc>
+                <a:spcPct val="100000"/>
+              </a:lnSpc>
+              <a:spcBef>
+                <a:spcPct val="0"/>
+              </a:spcBef>
+              <a:spcAft>
+                <a:spcPct val="0"/>
+              </a:spcAft>
+              <a:buClrTx/>
+              <a:buSzTx/>
+              <a:tabLst/>
+            </a:pPr>
+            <a:r>
+              <a:rPr lang="fr-FR" altLang="en-US" u="sng" dirty="0" smtClean="0">
+                <a:latin typeface="Segoe UI" panose="020B0502040204020203" pitchFamily="34" charset="0"/>
+                <a:cs typeface="Segoe UI" panose="020B0502040204020203" pitchFamily="34" charset="0"/>
+              </a:rPr>
+              <a:t> </a:t>
+            </a:r>
+            <a:r>
+              <a:rPr kumimoji="0" lang="fr-FR" altLang="en-US" i="0" u="sng" strike="noStrike" cap="none" normalizeH="0" baseline="0" dirty="0" smtClean="0">
+                <a:ln>
+                  <a:noFill/>
+                </a:ln>
+                <a:solidFill>
+                  <a:schemeClr val="tx1"/>
+                </a:solidFill>
+                <a:effectLst/>
+                <a:latin typeface="Segoe UI" panose="020B0502040204020203" pitchFamily="34" charset="0"/>
+                <a:cs typeface="Segoe UI" panose="020B0502040204020203" pitchFamily="34" charset="0"/>
+              </a:rPr>
+              <a:t>pour plus de 400</a:t>
+            </a:r>
+            <a:r>
+              <a:rPr kumimoji="0" lang="fr-FR" altLang="en-US" b="0" i="0" u="none" strike="noStrike" cap="none" normalizeH="0" baseline="0" dirty="0" smtClean="0">
+                <a:ln>
+                  <a:noFill/>
+                </a:ln>
+                <a:solidFill>
+                  <a:schemeClr val="tx1"/>
+                </a:solidFill>
+                <a:effectLst/>
+                <a:latin typeface="Segoe UI" panose="020B0502040204020203" pitchFamily="34" charset="0"/>
+                <a:cs typeface="Segoe UI" panose="020B0502040204020203" pitchFamily="34" charset="0"/>
+              </a:rPr>
+              <a:t>.</a:t>
+            </a:r>
+          </a:p>
+          <a:p>
+            <a:pPr marL="0" marR="0" lvl="0" indent="0" algn="l" defTabSz="914400" rtl="0" eaLnBrk="0" fontAlgn="base" latinLnBrk="0" hangingPunct="0">
+              <a:lnSpc>
+                <a:spcPct val="100000"/>
+              </a:lnSpc>
+              <a:spcBef>
+                <a:spcPct val="0"/>
+              </a:spcBef>
+              <a:spcAft>
+                <a:spcPct val="0"/>
+              </a:spcAft>
+              <a:buClrTx/>
+              <a:buSzTx/>
+              <a:buFontTx/>
+              <a:buNone/>
+              <a:tabLst/>
+            </a:pPr>
+            <a:endParaRPr kumimoji="0" lang="fr-FR" altLang="en-US" b="0" i="0" u="none" strike="noStrike" cap="none" normalizeH="0" baseline="0" dirty="0" smtClean="0">
+              <a:ln>
+                <a:noFill/>
+              </a:ln>
+              <a:solidFill>
+                <a:schemeClr val="tx1"/>
+              </a:solidFill>
+              <a:effectLst/>
+              <a:latin typeface="Segoe UI" panose="020B0502040204020203" pitchFamily="34" charset="0"/>
+              <a:cs typeface="Segoe UI" panose="020B0502040204020203" pitchFamily="34" charset="0"/>
+            </a:endParaRPr>
+          </a:p>
+        </p:txBody>
+      </p:sp>
+      <p:sp>
+        <p:nvSpPr>
+          <p:cNvPr id="7" name="Rectangle 2"/>
+          <p:cNvSpPr>
+            <a:spLocks noChangeArrowheads="1"/>
+          </p:cNvSpPr>
+          <p:nvPr/>
+        </p:nvSpPr>
+        <p:spPr bwMode="auto">
+          <a:xfrm>
+            <a:off x="288758" y="2903419"/>
+            <a:ext cx="8984704" cy="2031325"/>
+          </a:xfrm>
+          <a:prstGeom prst="rect">
+            <a:avLst/>
+          </a:prstGeom>
+          <a:noFill/>
+          <a:ln>
+            <a:noFill/>
+          </a:ln>
+          <a:effectLst/>
+          <a:extLst>
+            <a:ext uri="{909E8E84-426E-40DD-AFC4-6F175D3DCCD1}">
+              <a14:hiddenFill xmlns:a14="http://schemas.microsoft.com/office/drawing/2010/main">
+                <a:solidFill>
+                  <a:schemeClr val="accent1"/>
+                </a:solidFill>
+              </a14:hiddenFill>
+            </a:ext>
+            <a:ext uri="{91240B29-F687-4F45-9708-019B960494DF}">
+              <a14:hiddenLine xmlns:a14="http://schemas.microsoft.com/office/drawing/2010/main" w="9525">
+                <a:solidFill>
+                  <a:schemeClr val="tx1"/>
+                </a:solidFill>
+                <a:miter lim="800000"/>
+                <a:headEnd/>
+                <a:tailEnd/>
+              </a14:hiddenLine>
+            </a:ext>
+            <a:ext uri="{AF507438-7753-43E0-B8FC-AC1667EBCBE1}">
+              <a14:hiddenEffects xmlns:a14="http://schemas.microsoft.com/office/drawing/2010/main">
+                <a:effectLst>
+                  <a:outerShdw dist="35921" dir="2700000" algn="ctr" rotWithShape="0">
+                    <a:schemeClr val="bg2"/>
+                  </a:outerShdw>
+                </a:effectLst>
+              </a14:hiddenEffects>
+            </a:ext>
+          </a:extLst>
+        </p:spPr>
+        <p:txBody>
+          <a:bodyPr vert="horz" wrap="none" lIns="91440" tIns="45720" rIns="91440" bIns="45720" numCol="1" anchor="ctr" anchorCtr="0" compatLnSpc="1">
+            <a:prstTxWarp prst="textNoShape">
+              <a:avLst/>
+            </a:prstTxWarp>
+            <a:spAutoFit/>
+          </a:bodyPr>
+          <a:lstStyle/>
+          <a:p>
+            <a:pPr marL="0" marR="0" lvl="0" indent="0" algn="l" defTabSz="914400" rtl="0" eaLnBrk="0" fontAlgn="base" latinLnBrk="0" hangingPunct="0">
+              <a:lnSpc>
+                <a:spcPct val="100000"/>
+              </a:lnSpc>
+              <a:spcBef>
+                <a:spcPct val="0"/>
+              </a:spcBef>
+              <a:spcAft>
+                <a:spcPct val="0"/>
+              </a:spcAft>
+              <a:buClrTx/>
+              <a:buSzTx/>
+              <a:buFontTx/>
+              <a:buNone/>
+              <a:tabLst/>
+            </a:pPr>
+            <a:r>
+              <a:rPr kumimoji="0" lang="fr-FR" altLang="en-US" b="1" i="0" u="none" strike="noStrike" cap="none" normalizeH="0" baseline="0" dirty="0" smtClean="0">
+                <a:ln>
+                  <a:noFill/>
+                </a:ln>
+                <a:solidFill>
+                  <a:schemeClr val="tx1"/>
+                </a:solidFill>
+                <a:effectLst/>
+                <a:latin typeface="Segoe UI" panose="020B0502040204020203" pitchFamily="34" charset="0"/>
+                <a:cs typeface="Segoe UI" panose="020B0502040204020203" pitchFamily="34" charset="0"/>
+              </a:rPr>
+              <a:t>Comment tester l'effet du </a:t>
+            </a:r>
+            <a:r>
+              <a:rPr kumimoji="0" lang="fr-FR" altLang="en-US" b="1" i="0" u="none" strike="noStrike" cap="none" normalizeH="0" baseline="0" dirty="0" err="1" smtClean="0">
+                <a:ln>
+                  <a:noFill/>
+                </a:ln>
+                <a:solidFill>
+                  <a:schemeClr val="tx1"/>
+                </a:solidFill>
+                <a:effectLst/>
+                <a:latin typeface="Segoe UI" panose="020B0502040204020203" pitchFamily="34" charset="0"/>
+                <a:cs typeface="Segoe UI" panose="020B0502040204020203" pitchFamily="34" charset="0"/>
+              </a:rPr>
+              <a:t>CrossFilter</a:t>
+            </a:r>
+            <a:r>
+              <a:rPr kumimoji="0" lang="fr-FR" altLang="en-US" b="1" i="0" u="none" strike="noStrike" cap="none" normalizeH="0" baseline="0" dirty="0" smtClean="0">
+                <a:ln>
+                  <a:noFill/>
+                </a:ln>
+                <a:solidFill>
+                  <a:schemeClr val="tx1"/>
+                </a:solidFill>
+                <a:effectLst/>
+                <a:latin typeface="Segoe UI" panose="020B0502040204020203" pitchFamily="34" charset="0"/>
+                <a:cs typeface="Segoe UI" panose="020B0502040204020203" pitchFamily="34" charset="0"/>
+              </a:rPr>
+              <a:t> ?</a:t>
+            </a:r>
+          </a:p>
+          <a:p>
+            <a:pPr marL="285750" marR="0" lvl="0" indent="-285750" algn="l" defTabSz="914400" rtl="0" eaLnBrk="0" fontAlgn="base" latinLnBrk="0" hangingPunct="0">
+              <a:lnSpc>
+                <a:spcPct val="100000"/>
+              </a:lnSpc>
+              <a:spcBef>
+                <a:spcPct val="0"/>
+              </a:spcBef>
+              <a:spcAft>
+                <a:spcPct val="0"/>
+              </a:spcAft>
+              <a:buClrTx/>
+              <a:buSzTx/>
+              <a:buFont typeface="Arial" panose="020B0604020202020204" pitchFamily="34" charset="0"/>
+              <a:buChar char="•"/>
+              <a:tabLst/>
+            </a:pPr>
+            <a:r>
+              <a:rPr kumimoji="0" lang="fr-FR" altLang="en-US" i="0" u="none" strike="noStrike" cap="none" normalizeH="0" baseline="0" dirty="0" smtClean="0">
+                <a:ln>
+                  <a:noFill/>
+                </a:ln>
+                <a:solidFill>
+                  <a:schemeClr val="tx1"/>
+                </a:solidFill>
+                <a:effectLst/>
+                <a:latin typeface="Segoe UI" panose="020B0502040204020203" pitchFamily="34" charset="0"/>
+                <a:cs typeface="Segoe UI" panose="020B0502040204020203" pitchFamily="34" charset="0"/>
+              </a:rPr>
+              <a:t>Crée un tableau avec </a:t>
+            </a:r>
+            <a:r>
+              <a:rPr kumimoji="0" lang="fr-FR" altLang="en-US" b="1" i="0" u="none" strike="noStrike" cap="none" normalizeH="0" baseline="0" dirty="0" err="1" smtClean="0">
+                <a:ln>
+                  <a:noFill/>
+                </a:ln>
+                <a:solidFill>
+                  <a:schemeClr val="tx1"/>
+                </a:solidFill>
+                <a:effectLst/>
+                <a:latin typeface="Segoe UI" panose="020B0502040204020203" pitchFamily="34" charset="0"/>
+                <a:cs typeface="Segoe UI" panose="020B0502040204020203" pitchFamily="34" charset="0"/>
+              </a:rPr>
+              <a:t>DimSupplier</a:t>
+            </a:r>
+            <a:r>
+              <a:rPr kumimoji="0" lang="fr-FR" altLang="en-US" b="1" i="0" u="none" strike="noStrike" cap="none" normalizeH="0" baseline="0" dirty="0" smtClean="0">
+                <a:ln>
+                  <a:noFill/>
+                </a:ln>
+                <a:solidFill>
+                  <a:schemeClr val="tx1"/>
+                </a:solidFill>
+                <a:effectLst/>
+                <a:latin typeface="Segoe UI" panose="020B0502040204020203" pitchFamily="34" charset="0"/>
+                <a:cs typeface="Segoe UI" panose="020B0502040204020203" pitchFamily="34" charset="0"/>
+              </a:rPr>
+              <a:t>[</a:t>
+            </a:r>
+            <a:r>
+              <a:rPr kumimoji="0" lang="fr-FR" altLang="en-US" b="1" i="0" u="none" strike="noStrike" cap="none" normalizeH="0" baseline="0" dirty="0" err="1" smtClean="0">
+                <a:ln>
+                  <a:noFill/>
+                </a:ln>
+                <a:solidFill>
+                  <a:schemeClr val="tx1"/>
+                </a:solidFill>
+                <a:effectLst/>
+                <a:latin typeface="Segoe UI" panose="020B0502040204020203" pitchFamily="34" charset="0"/>
+                <a:cs typeface="Segoe UI" panose="020B0502040204020203" pitchFamily="34" charset="0"/>
+              </a:rPr>
+              <a:t>SupplierName</a:t>
+            </a:r>
+            <a:r>
+              <a:rPr kumimoji="0" lang="fr-FR" altLang="en-US" b="1" i="0" u="none" strike="noStrike" cap="none" normalizeH="0" baseline="0" dirty="0" smtClean="0">
+                <a:ln>
+                  <a:noFill/>
+                </a:ln>
+                <a:solidFill>
+                  <a:schemeClr val="tx1"/>
+                </a:solidFill>
+                <a:effectLst/>
+                <a:latin typeface="Segoe UI" panose="020B0502040204020203" pitchFamily="34" charset="0"/>
+                <a:cs typeface="Segoe UI" panose="020B0502040204020203" pitchFamily="34" charset="0"/>
+              </a:rPr>
+              <a:t>]</a:t>
+            </a:r>
+            <a:r>
+              <a:rPr kumimoji="0" lang="fr-FR" altLang="en-US" i="0" u="none" strike="noStrike" cap="none" normalizeH="0" baseline="0" dirty="0" smtClean="0">
+                <a:ln>
+                  <a:noFill/>
+                </a:ln>
+                <a:solidFill>
+                  <a:schemeClr val="tx1"/>
+                </a:solidFill>
+                <a:effectLst/>
+                <a:latin typeface="Segoe UI" panose="020B0502040204020203" pitchFamily="34" charset="0"/>
+                <a:cs typeface="Segoe UI" panose="020B0502040204020203" pitchFamily="34" charset="0"/>
+              </a:rPr>
+              <a:t> et </a:t>
+            </a:r>
+            <a:r>
+              <a:rPr kumimoji="0" lang="fr-FR" altLang="en-US" b="1" i="0" u="none" strike="noStrike" cap="none" normalizeH="0" baseline="0" dirty="0" smtClean="0">
+                <a:ln>
+                  <a:noFill/>
+                </a:ln>
+                <a:solidFill>
+                  <a:schemeClr val="tx1"/>
+                </a:solidFill>
+                <a:effectLst/>
+                <a:latin typeface="Segoe UI" panose="020B0502040204020203" pitchFamily="34" charset="0"/>
+                <a:cs typeface="Segoe UI" panose="020B0502040204020203" pitchFamily="34" charset="0"/>
+              </a:rPr>
+              <a:t>Count </a:t>
+            </a:r>
+            <a:r>
+              <a:rPr kumimoji="0" lang="fr-FR" altLang="en-US" b="1" i="0" u="none" strike="noStrike" cap="none" normalizeH="0" baseline="0" dirty="0" err="1" smtClean="0">
+                <a:ln>
+                  <a:noFill/>
+                </a:ln>
+                <a:solidFill>
+                  <a:schemeClr val="tx1"/>
+                </a:solidFill>
+                <a:effectLst/>
+                <a:latin typeface="Segoe UI" panose="020B0502040204020203" pitchFamily="34" charset="0"/>
+                <a:cs typeface="Segoe UI" panose="020B0502040204020203" pitchFamily="34" charset="0"/>
+              </a:rPr>
+              <a:t>Suppliers</a:t>
+            </a:r>
+            <a:r>
+              <a:rPr kumimoji="0" lang="fr-FR" altLang="en-US" b="1" i="0" u="none" strike="noStrike" cap="none" normalizeH="0" baseline="0" dirty="0" smtClean="0">
+                <a:ln>
+                  <a:noFill/>
+                </a:ln>
+                <a:solidFill>
+                  <a:schemeClr val="tx1"/>
+                </a:solidFill>
+                <a:effectLst/>
+                <a:latin typeface="Segoe UI" panose="020B0502040204020203" pitchFamily="34" charset="0"/>
+                <a:cs typeface="Segoe UI" panose="020B0502040204020203" pitchFamily="34" charset="0"/>
+              </a:rPr>
+              <a:t> </a:t>
+            </a:r>
+            <a:r>
+              <a:rPr kumimoji="0" lang="fr-FR" altLang="en-US" b="1" i="0" u="none" strike="noStrike" cap="none" normalizeH="0" baseline="0" dirty="0" err="1" smtClean="0">
+                <a:ln>
+                  <a:noFill/>
+                </a:ln>
+                <a:solidFill>
+                  <a:schemeClr val="tx1"/>
+                </a:solidFill>
+                <a:effectLst/>
+                <a:latin typeface="Segoe UI" panose="020B0502040204020203" pitchFamily="34" charset="0"/>
+                <a:cs typeface="Segoe UI" panose="020B0502040204020203" pitchFamily="34" charset="0"/>
+              </a:rPr>
+              <a:t>Above</a:t>
+            </a:r>
+            <a:r>
+              <a:rPr kumimoji="0" lang="fr-FR" altLang="en-US" b="1" i="0" u="none" strike="noStrike" cap="none" normalizeH="0" baseline="0" dirty="0" smtClean="0">
+                <a:ln>
+                  <a:noFill/>
+                </a:ln>
+                <a:solidFill>
+                  <a:schemeClr val="tx1"/>
+                </a:solidFill>
+                <a:effectLst/>
+                <a:latin typeface="Segoe UI" panose="020B0502040204020203" pitchFamily="34" charset="0"/>
+                <a:cs typeface="Segoe UI" panose="020B0502040204020203" pitchFamily="34" charset="0"/>
+              </a:rPr>
+              <a:t> 400</a:t>
+            </a:r>
+          </a:p>
+          <a:p>
+            <a:pPr marL="285750" marR="0" lvl="0" indent="-285750" algn="l" defTabSz="914400" rtl="0" eaLnBrk="0" fontAlgn="base" latinLnBrk="0" hangingPunct="0">
+              <a:lnSpc>
+                <a:spcPct val="100000"/>
+              </a:lnSpc>
+              <a:spcBef>
+                <a:spcPct val="0"/>
+              </a:spcBef>
+              <a:spcAft>
+                <a:spcPct val="0"/>
+              </a:spcAft>
+              <a:buClrTx/>
+              <a:buSzTx/>
+              <a:buFont typeface="Arial" panose="020B0604020202020204" pitchFamily="34" charset="0"/>
+              <a:buChar char="•"/>
+              <a:tabLst/>
+            </a:pPr>
+            <a:r>
+              <a:rPr kumimoji="0" lang="fr-FR" altLang="en-US" i="0" u="none" strike="noStrike" cap="none" normalizeH="0" baseline="0" dirty="0" smtClean="0">
+                <a:ln>
+                  <a:noFill/>
+                </a:ln>
+                <a:solidFill>
+                  <a:schemeClr val="tx1"/>
+                </a:solidFill>
+                <a:effectLst/>
+                <a:latin typeface="Segoe UI" panose="020B0502040204020203" pitchFamily="34" charset="0"/>
+                <a:cs typeface="Segoe UI" panose="020B0502040204020203" pitchFamily="34" charset="0"/>
+              </a:rPr>
+              <a:t>Compare les résultats en modifiant la relation</a:t>
+            </a:r>
+            <a:r>
+              <a:rPr kumimoji="0" lang="fr-FR" altLang="en-US" b="1" i="0" u="none" strike="noStrike" cap="none" normalizeH="0" baseline="0" dirty="0" smtClean="0">
+                <a:ln>
+                  <a:noFill/>
+                </a:ln>
+                <a:solidFill>
+                  <a:schemeClr val="tx1"/>
+                </a:solidFill>
+                <a:effectLst/>
+                <a:latin typeface="Segoe UI" panose="020B0502040204020203" pitchFamily="34" charset="0"/>
+                <a:cs typeface="Segoe UI" panose="020B0502040204020203" pitchFamily="34" charset="0"/>
+              </a:rPr>
+              <a:t> </a:t>
+            </a:r>
+            <a:r>
+              <a:rPr kumimoji="0" lang="fr-FR" altLang="en-US" b="1" i="0" u="none" strike="noStrike" cap="none" normalizeH="0" baseline="0" dirty="0" err="1" smtClean="0">
+                <a:ln>
+                  <a:noFill/>
+                </a:ln>
+                <a:solidFill>
+                  <a:schemeClr val="tx1"/>
+                </a:solidFill>
+                <a:effectLst/>
+                <a:latin typeface="Segoe UI" panose="020B0502040204020203" pitchFamily="34" charset="0"/>
+                <a:cs typeface="Segoe UI" panose="020B0502040204020203" pitchFamily="34" charset="0"/>
+              </a:rPr>
+              <a:t>DimSupplier</a:t>
+            </a:r>
+            <a:r>
+              <a:rPr kumimoji="0" lang="fr-FR" altLang="en-US" b="1" i="0" u="none" strike="noStrike" cap="none" normalizeH="0" baseline="0" dirty="0" smtClean="0">
+                <a:ln>
+                  <a:noFill/>
+                </a:ln>
+                <a:solidFill>
+                  <a:schemeClr val="tx1"/>
+                </a:solidFill>
+                <a:effectLst/>
+                <a:latin typeface="Segoe UI" panose="020B0502040204020203" pitchFamily="34" charset="0"/>
+                <a:cs typeface="Segoe UI" panose="020B0502040204020203" pitchFamily="34" charset="0"/>
+              </a:rPr>
+              <a:t> ↔ FactSales</a:t>
+            </a:r>
+            <a:endParaRPr kumimoji="0" lang="fr-FR" altLang="en-US" b="0" i="0" u="none" strike="noStrike" cap="none" normalizeH="0" baseline="0" dirty="0" smtClean="0">
+              <a:ln>
+                <a:noFill/>
+              </a:ln>
+              <a:solidFill>
+                <a:schemeClr val="tx1"/>
+              </a:solidFill>
+              <a:effectLst/>
+              <a:latin typeface="Segoe UI" panose="020B0502040204020203" pitchFamily="34" charset="0"/>
+              <a:cs typeface="Segoe UI" panose="020B0502040204020203" pitchFamily="34" charset="0"/>
+            </a:endParaRPr>
+          </a:p>
+          <a:p>
+            <a:pPr marL="457200" marR="0" lvl="1" indent="0" algn="l" defTabSz="914400" rtl="0" eaLnBrk="0" fontAlgn="base" latinLnBrk="0" hangingPunct="0">
+              <a:lnSpc>
+                <a:spcPct val="100000"/>
+              </a:lnSpc>
+              <a:spcBef>
+                <a:spcPct val="0"/>
+              </a:spcBef>
+              <a:spcAft>
+                <a:spcPct val="0"/>
+              </a:spcAft>
+              <a:buClrTx/>
+              <a:buSzTx/>
+              <a:buFontTx/>
+              <a:buChar char="•"/>
+              <a:tabLst/>
+            </a:pPr>
+            <a:r>
+              <a:rPr kumimoji="0" lang="fr-FR" altLang="en-US" b="1" i="0" u="none" strike="noStrike" cap="none" normalizeH="0" baseline="0" dirty="0" smtClean="0">
+                <a:ln>
+                  <a:noFill/>
+                </a:ln>
+                <a:solidFill>
+                  <a:schemeClr val="tx1"/>
+                </a:solidFill>
+                <a:effectLst/>
+                <a:latin typeface="Segoe UI" panose="020B0502040204020203" pitchFamily="34" charset="0"/>
+                <a:cs typeface="Segoe UI" panose="020B0502040204020203" pitchFamily="34" charset="0"/>
+              </a:rPr>
+              <a:t>Mode Single</a:t>
+            </a:r>
+            <a:r>
+              <a:rPr kumimoji="0" lang="fr-FR" altLang="en-US" b="0" i="0" u="none" strike="noStrike" cap="none" normalizeH="0" baseline="0" dirty="0" smtClean="0">
+                <a:ln>
+                  <a:noFill/>
+                </a:ln>
+                <a:solidFill>
+                  <a:schemeClr val="tx1"/>
+                </a:solidFill>
+                <a:effectLst/>
+                <a:latin typeface="Segoe UI" panose="020B0502040204020203" pitchFamily="34" charset="0"/>
+                <a:cs typeface="Segoe UI" panose="020B0502040204020203" pitchFamily="34" charset="0"/>
+              </a:rPr>
+              <a:t> : Tous les fournisseurs apparaissent.</a:t>
+            </a:r>
+          </a:p>
+          <a:p>
+            <a:pPr marL="457200" marR="0" lvl="1" indent="0" algn="l" defTabSz="914400" rtl="0" eaLnBrk="0" fontAlgn="base" latinLnBrk="0" hangingPunct="0">
+              <a:lnSpc>
+                <a:spcPct val="100000"/>
+              </a:lnSpc>
+              <a:spcBef>
+                <a:spcPct val="0"/>
+              </a:spcBef>
+              <a:spcAft>
+                <a:spcPct val="0"/>
+              </a:spcAft>
+              <a:buClrTx/>
+              <a:buSzTx/>
+              <a:buFontTx/>
+              <a:buChar char="•"/>
+              <a:tabLst/>
+            </a:pPr>
+            <a:r>
+              <a:rPr kumimoji="0" lang="fr-FR" altLang="en-US" b="1" i="0" u="none" strike="noStrike" cap="none" normalizeH="0" baseline="0" dirty="0" smtClean="0">
+                <a:ln>
+                  <a:noFill/>
+                </a:ln>
+                <a:solidFill>
+                  <a:schemeClr val="tx1"/>
+                </a:solidFill>
+                <a:effectLst/>
+                <a:latin typeface="Segoe UI" panose="020B0502040204020203" pitchFamily="34" charset="0"/>
+                <a:cs typeface="Segoe UI" panose="020B0502040204020203" pitchFamily="34" charset="0"/>
+              </a:rPr>
+              <a:t>Mode </a:t>
+            </a:r>
+            <a:r>
+              <a:rPr kumimoji="0" lang="fr-FR" altLang="en-US" b="1" i="0" u="none" strike="noStrike" cap="none" normalizeH="0" baseline="0" dirty="0" err="1" smtClean="0">
+                <a:ln>
+                  <a:noFill/>
+                </a:ln>
+                <a:solidFill>
+                  <a:schemeClr val="tx1"/>
+                </a:solidFill>
+                <a:effectLst/>
+                <a:latin typeface="Segoe UI" panose="020B0502040204020203" pitchFamily="34" charset="0"/>
+                <a:cs typeface="Segoe UI" panose="020B0502040204020203" pitchFamily="34" charset="0"/>
+              </a:rPr>
+              <a:t>Both</a:t>
+            </a:r>
+            <a:r>
+              <a:rPr kumimoji="0" lang="fr-FR" altLang="en-US" b="0" i="0" u="none" strike="noStrike" cap="none" normalizeH="0" baseline="0" dirty="0" smtClean="0">
+                <a:ln>
+                  <a:noFill/>
+                </a:ln>
+                <a:solidFill>
+                  <a:schemeClr val="tx1"/>
+                </a:solidFill>
+                <a:effectLst/>
+                <a:latin typeface="Segoe UI" panose="020B0502040204020203" pitchFamily="34" charset="0"/>
+                <a:cs typeface="Segoe UI" panose="020B0502040204020203" pitchFamily="34" charset="0"/>
+              </a:rPr>
+              <a:t> : Seuls les fournisseurs ayant des ventes &gt; 400 sont comptabilisés.</a:t>
+            </a:r>
+          </a:p>
+          <a:p>
+            <a:pPr marL="285750" marR="0" lvl="0" indent="-285750" algn="l" defTabSz="914400" rtl="0" eaLnBrk="0" fontAlgn="base" latinLnBrk="0" hangingPunct="0">
+              <a:lnSpc>
+                <a:spcPct val="100000"/>
+              </a:lnSpc>
+              <a:spcBef>
+                <a:spcPct val="0"/>
+              </a:spcBef>
+              <a:spcAft>
+                <a:spcPct val="0"/>
+              </a:spcAft>
+              <a:buClrTx/>
+              <a:buSzTx/>
+              <a:buFont typeface="Arial" panose="020B0604020202020204" pitchFamily="34" charset="0"/>
+              <a:buChar char="•"/>
+              <a:tabLst/>
+            </a:pPr>
+            <a:r>
+              <a:rPr kumimoji="0" lang="fr-FR" altLang="en-US" i="0" u="none" strike="noStrike" cap="none" normalizeH="0" baseline="0" dirty="0" smtClean="0">
+                <a:ln>
+                  <a:noFill/>
+                </a:ln>
+                <a:solidFill>
+                  <a:schemeClr val="tx1"/>
+                </a:solidFill>
+                <a:effectLst/>
+                <a:latin typeface="Segoe UI" panose="020B0502040204020203" pitchFamily="34" charset="0"/>
+                <a:cs typeface="Segoe UI" panose="020B0502040204020203" pitchFamily="34" charset="0"/>
+              </a:rPr>
+              <a:t>Fais la même chose pour</a:t>
+            </a:r>
+            <a:r>
+              <a:rPr kumimoji="0" lang="fr-FR" altLang="en-US" b="1" i="0" u="none" strike="noStrike" cap="none" normalizeH="0" baseline="0" dirty="0" smtClean="0">
+                <a:ln>
+                  <a:noFill/>
+                </a:ln>
+                <a:solidFill>
+                  <a:schemeClr val="tx1"/>
+                </a:solidFill>
+                <a:effectLst/>
+                <a:latin typeface="Segoe UI" panose="020B0502040204020203" pitchFamily="34" charset="0"/>
+                <a:cs typeface="Segoe UI" panose="020B0502040204020203" pitchFamily="34" charset="0"/>
+              </a:rPr>
+              <a:t> </a:t>
+            </a:r>
+            <a:r>
+              <a:rPr kumimoji="0" lang="fr-FR" altLang="en-US" b="1" i="0" u="none" strike="noStrike" cap="none" normalizeH="0" baseline="0" dirty="0" err="1" smtClean="0">
+                <a:ln>
+                  <a:noFill/>
+                </a:ln>
+                <a:solidFill>
+                  <a:schemeClr val="tx1"/>
+                </a:solidFill>
+                <a:effectLst/>
+                <a:latin typeface="Segoe UI" panose="020B0502040204020203" pitchFamily="34" charset="0"/>
+                <a:cs typeface="Segoe UI" panose="020B0502040204020203" pitchFamily="34" charset="0"/>
+              </a:rPr>
+              <a:t>DimProduct</a:t>
+            </a:r>
+            <a:r>
+              <a:rPr kumimoji="0" lang="fr-FR" altLang="en-US" b="0" i="0" u="none" strike="noStrike" cap="none" normalizeH="0" baseline="0" dirty="0" smtClean="0">
+                <a:ln>
+                  <a:noFill/>
+                </a:ln>
+                <a:solidFill>
+                  <a:schemeClr val="tx1"/>
+                </a:solidFill>
+                <a:effectLst/>
+                <a:latin typeface="Segoe UI" panose="020B0502040204020203" pitchFamily="34" charset="0"/>
+                <a:cs typeface="Segoe UI" panose="020B0502040204020203" pitchFamily="34" charset="0"/>
+              </a:rPr>
+              <a:t> et observe les changements.</a:t>
+            </a:r>
+          </a:p>
+          <a:p>
+            <a:pPr marL="285750" marR="0" lvl="0" indent="-285750" algn="l" defTabSz="914400" rtl="0" eaLnBrk="0" fontAlgn="base" latinLnBrk="0" hangingPunct="0">
+              <a:lnSpc>
+                <a:spcPct val="100000"/>
+              </a:lnSpc>
+              <a:spcBef>
+                <a:spcPct val="0"/>
+              </a:spcBef>
+              <a:spcAft>
+                <a:spcPct val="0"/>
+              </a:spcAft>
+              <a:buClrTx/>
+              <a:buSzTx/>
+              <a:buFont typeface="Arial" panose="020B0604020202020204" pitchFamily="34" charset="0"/>
+              <a:buChar char="•"/>
+              <a:tabLst/>
+            </a:pPr>
+            <a:endParaRPr kumimoji="0" lang="fr-FR" altLang="en-US" b="0" i="0" u="none" strike="noStrike" cap="none" normalizeH="0" baseline="0" dirty="0" smtClean="0">
+              <a:ln>
+                <a:noFill/>
+              </a:ln>
+              <a:solidFill>
+                <a:schemeClr val="tx1"/>
+              </a:solidFill>
+              <a:effectLst/>
+              <a:latin typeface="Segoe UI" panose="020B0502040204020203" pitchFamily="34" charset="0"/>
+              <a:cs typeface="Segoe UI" panose="020B0502040204020203" pitchFamily="34" charset="0"/>
+            </a:endParaRPr>
+          </a:p>
+        </p:txBody>
+      </p:sp>
+    </p:spTree>
+    <p:extLst>
+      <p:ext uri="{BB962C8B-B14F-4D97-AF65-F5344CB8AC3E}">
+        <p14:creationId xmlns:p14="http://schemas.microsoft.com/office/powerpoint/2010/main" val="1181656350"/>
+      </p:ext>
+    </p:extLst>
+  </p:cSld>
+  <p:clrMapOvr>
+    <a:masterClrMapping/>
+  </p:clrMapOvr>
+</p:sld>
+</file>
+
+<file path=ppt/slides/slide6.xml><?xml version="1.0" encoding="utf-8"?>
+<p:sld xmlns:a="http://schemas.openxmlformats.org/drawingml/2006/main" xmlns:r="http://schemas.openxmlformats.org/officeDocument/2006/relationships" xmlns:p="http://schemas.openxmlformats.org/presentationml/2006/main">
+  <p:cSld>
+    <p:spTree>
+      <p:nvGrpSpPr>
+        <p:cNvPr id="1" name=""/>
+        <p:cNvGrpSpPr/>
+        <p:nvPr/>
+      </p:nvGrpSpPr>
+      <p:grpSpPr>
+        <a:xfrm>
+          <a:off x="0" y="0"/>
+          <a:ext cx="0" cy="0"/>
+          <a:chOff x="0" y="0"/>
+          <a:chExt cx="0" cy="0"/>
+        </a:xfrm>
+      </p:grpSpPr>
+      <p:sp>
+        <p:nvSpPr>
+          <p:cNvPr id="2" name="TextBox 1"/>
+          <p:cNvSpPr txBox="1"/>
+          <p:nvPr/>
+        </p:nvSpPr>
+        <p:spPr>
+          <a:xfrm>
+            <a:off x="288758" y="275007"/>
+            <a:ext cx="6560066" cy="400110"/>
+          </a:xfrm>
+          <a:prstGeom prst="rect">
+            <a:avLst/>
+          </a:prstGeom>
+          <a:noFill/>
+        </p:spPr>
+        <p:txBody>
+          <a:bodyPr wrap="none" rtlCol="0">
+            <a:spAutoFit/>
+          </a:bodyPr>
+          <a:lstStyle/>
+          <a:p>
+            <a:r>
+              <a:rPr lang="fr-FR" sz="2000" b="1" dirty="0" smtClean="0">
+                <a:latin typeface="Segoe UI" panose="020B0502040204020203" pitchFamily="34" charset="0"/>
+                <a:cs typeface="Segoe UI" panose="020B0502040204020203" pitchFamily="34" charset="0"/>
+              </a:rPr>
+              <a:t>Comprendre les crossfilter </a:t>
+            </a:r>
+            <a:r>
+              <a:rPr lang="fr-FR" sz="2000" b="1" dirty="0" smtClean="0">
+                <a:latin typeface="Segoe UI" panose="020B0502040204020203" pitchFamily="34" charset="0"/>
+                <a:cs typeface="Segoe UI" panose="020B0502040204020203" pitchFamily="34" charset="0"/>
+              </a:rPr>
+              <a:t>directions (Filtrage croisé)</a:t>
+            </a:r>
+            <a:endParaRPr lang="fr-FR" sz="2000" b="1" dirty="0">
+              <a:latin typeface="Segoe UI" panose="020B0502040204020203" pitchFamily="34" charset="0"/>
+              <a:cs typeface="Segoe UI" panose="020B0502040204020203" pitchFamily="34" charset="0"/>
+            </a:endParaRPr>
+          </a:p>
+        </p:txBody>
+      </p:sp>
+      <p:pic>
+        <p:nvPicPr>
+          <p:cNvPr id="4" name="Picture 3"/>
+          <p:cNvPicPr>
+            <a:picLocks noChangeAspect="1"/>
+          </p:cNvPicPr>
+          <p:nvPr/>
+        </p:nvPicPr>
+        <p:blipFill>
+          <a:blip r:embed="rId2"/>
+          <a:stretch>
+            <a:fillRect/>
+          </a:stretch>
+        </p:blipFill>
+        <p:spPr>
+          <a:xfrm>
+            <a:off x="1704888" y="988225"/>
+            <a:ext cx="7645367" cy="2232497"/>
+          </a:xfrm>
+          <a:prstGeom prst="rect">
+            <a:avLst/>
+          </a:prstGeom>
+        </p:spPr>
+      </p:pic>
+    </p:spTree>
+    <p:extLst>
+      <p:ext uri="{BB962C8B-B14F-4D97-AF65-F5344CB8AC3E}">
+        <p14:creationId xmlns:p14="http://schemas.microsoft.com/office/powerpoint/2010/main" val="3880442306"/>
+      </p:ext>
+    </p:extLst>
+  </p:cSld>
+  <p:clrMapOvr>
+    <a:masterClrMapping/>
+  </p:clrMapOvr>
+</p:sld>
+</file>
+
+<file path=ppt/slides/slide7.xml><?xml version="1.0" encoding="utf-8"?>
 <p:sld xmlns:a="http://schemas.openxmlformats.org/drawingml/2006/main" xmlns:r="http://schemas.openxmlformats.org/officeDocument/2006/relationships" xmlns:p="http://schemas.openxmlformats.org/presentationml/2006/main">
   <p:cSld>
     <p:bg>
